--- a/TMS/trunk/documents/презентация для конференции.pptx
+++ b/TMS/trunk/documents/презентация для конференции.pptx
@@ -5,7 +5,7 @@
     <p:sldMasterId id="2147483672" r:id="rId1"/>
   </p:sldMasterIdLst>
   <p:notesMasterIdLst>
-    <p:notesMasterId r:id="rId14"/>
+    <p:notesMasterId r:id="rId17"/>
   </p:notesMasterIdLst>
   <p:sldIdLst>
     <p:sldId id="256" r:id="rId2"/>
@@ -20,6 +20,9 @@
     <p:sldId id="268" r:id="rId11"/>
     <p:sldId id="261" r:id="rId12"/>
     <p:sldId id="262" r:id="rId13"/>
+    <p:sldId id="270" r:id="rId14"/>
+    <p:sldId id="271" r:id="rId15"/>
+    <p:sldId id="272" r:id="rId16"/>
   </p:sldIdLst>
   <p:sldSz cx="9144000" cy="6858000" type="screen4x3"/>
   <p:notesSz cx="6858000" cy="9144000"/>
@@ -120,7 +123,7 @@
   </p:defaultTextStyle>
   <p:extLst>
     <p:ext uri="{EFAFB233-063F-42B5-8137-9DF3F51BA10A}">
-      <p15:sldGuideLst xmlns:p15="http://schemas.microsoft.com/office/powerpoint/2012/main" xmlns="">
+      <p15:sldGuideLst xmlns="" xmlns:p15="http://schemas.microsoft.com/office/powerpoint/2012/main">
         <p15:guide id="1" orient="horz" pos="2160">
           <p15:clr>
             <a:srgbClr val="A4A3A4"/>
@@ -138,6 +141,753 @@
 </file>
 
 <file path=ppt/diagrams/colors1.xml><?xml version="1.0" encoding="utf-8"?>
+<dgm:colorsDef xmlns:dgm="http://schemas.openxmlformats.org/drawingml/2006/diagram" xmlns:a="http://schemas.openxmlformats.org/drawingml/2006/main" uniqueId="urn:microsoft.com/office/officeart/2005/8/colors/accent1_2">
+  <dgm:title val=""/>
+  <dgm:desc val=""/>
+  <dgm:catLst>
+    <dgm:cat type="accent1" pri="11200"/>
+  </dgm:catLst>
+  <dgm:styleLbl name="node0">
+    <dgm:fillClrLst meth="repeat">
+      <a:schemeClr val="accent1"/>
+    </dgm:fillClrLst>
+    <dgm:linClrLst meth="repeat">
+      <a:schemeClr val="lt1"/>
+    </dgm:linClrLst>
+    <dgm:effectClrLst/>
+    <dgm:txLinClrLst/>
+    <dgm:txFillClrLst/>
+    <dgm:txEffectClrLst/>
+  </dgm:styleLbl>
+  <dgm:styleLbl name="alignNode1">
+    <dgm:fillClrLst meth="repeat">
+      <a:schemeClr val="accent1"/>
+    </dgm:fillClrLst>
+    <dgm:linClrLst meth="repeat">
+      <a:schemeClr val="accent1"/>
+    </dgm:linClrLst>
+    <dgm:effectClrLst/>
+    <dgm:txLinClrLst/>
+    <dgm:txFillClrLst/>
+    <dgm:txEffectClrLst/>
+  </dgm:styleLbl>
+  <dgm:styleLbl name="node1">
+    <dgm:fillClrLst meth="repeat">
+      <a:schemeClr val="accent1"/>
+    </dgm:fillClrLst>
+    <dgm:linClrLst meth="repeat">
+      <a:schemeClr val="lt1"/>
+    </dgm:linClrLst>
+    <dgm:effectClrLst/>
+    <dgm:txLinClrLst/>
+    <dgm:txFillClrLst/>
+    <dgm:txEffectClrLst/>
+  </dgm:styleLbl>
+  <dgm:styleLbl name="lnNode1">
+    <dgm:fillClrLst meth="repeat">
+      <a:schemeClr val="accent1"/>
+    </dgm:fillClrLst>
+    <dgm:linClrLst meth="repeat">
+      <a:schemeClr val="lt1"/>
+    </dgm:linClrLst>
+    <dgm:effectClrLst/>
+    <dgm:txLinClrLst/>
+    <dgm:txFillClrLst/>
+    <dgm:txEffectClrLst/>
+  </dgm:styleLbl>
+  <dgm:styleLbl name="vennNode1">
+    <dgm:fillClrLst meth="repeat">
+      <a:schemeClr val="accent1">
+        <a:alpha val="50000"/>
+      </a:schemeClr>
+    </dgm:fillClrLst>
+    <dgm:linClrLst meth="repeat">
+      <a:schemeClr val="lt1"/>
+    </dgm:linClrLst>
+    <dgm:effectClrLst/>
+    <dgm:txLinClrLst/>
+    <dgm:txFillClrLst/>
+    <dgm:txEffectClrLst/>
+  </dgm:styleLbl>
+  <dgm:styleLbl name="node2">
+    <dgm:fillClrLst meth="repeat">
+      <a:schemeClr val="accent1"/>
+    </dgm:fillClrLst>
+    <dgm:linClrLst meth="repeat">
+      <a:schemeClr val="lt1"/>
+    </dgm:linClrLst>
+    <dgm:effectClrLst/>
+    <dgm:txLinClrLst/>
+    <dgm:txFillClrLst/>
+    <dgm:txEffectClrLst/>
+  </dgm:styleLbl>
+  <dgm:styleLbl name="node3">
+    <dgm:fillClrLst meth="repeat">
+      <a:schemeClr val="accent1"/>
+    </dgm:fillClrLst>
+    <dgm:linClrLst meth="repeat">
+      <a:schemeClr val="lt1"/>
+    </dgm:linClrLst>
+    <dgm:effectClrLst/>
+    <dgm:txLinClrLst/>
+    <dgm:txFillClrLst/>
+    <dgm:txEffectClrLst/>
+  </dgm:styleLbl>
+  <dgm:styleLbl name="node4">
+    <dgm:fillClrLst meth="repeat">
+      <a:schemeClr val="accent1"/>
+    </dgm:fillClrLst>
+    <dgm:linClrLst meth="repeat">
+      <a:schemeClr val="lt1"/>
+    </dgm:linClrLst>
+    <dgm:effectClrLst/>
+    <dgm:txLinClrLst/>
+    <dgm:txFillClrLst/>
+    <dgm:txEffectClrLst/>
+  </dgm:styleLbl>
+  <dgm:styleLbl name="fgImgPlace1">
+    <dgm:fillClrLst meth="repeat">
+      <a:schemeClr val="accent1">
+        <a:tint val="50000"/>
+      </a:schemeClr>
+    </dgm:fillClrLst>
+    <dgm:linClrLst meth="repeat">
+      <a:schemeClr val="lt1"/>
+    </dgm:linClrLst>
+    <dgm:effectClrLst/>
+    <dgm:txLinClrLst/>
+    <dgm:txFillClrLst meth="repeat">
+      <a:schemeClr val="lt1"/>
+    </dgm:txFillClrLst>
+    <dgm:txEffectClrLst/>
+  </dgm:styleLbl>
+  <dgm:styleLbl name="alignImgPlace1">
+    <dgm:fillClrLst meth="repeat">
+      <a:schemeClr val="accent1">
+        <a:tint val="50000"/>
+      </a:schemeClr>
+    </dgm:fillClrLst>
+    <dgm:linClrLst meth="repeat">
+      <a:schemeClr val="lt1"/>
+    </dgm:linClrLst>
+    <dgm:effectClrLst/>
+    <dgm:txLinClrLst/>
+    <dgm:txFillClrLst meth="repeat">
+      <a:schemeClr val="lt1"/>
+    </dgm:txFillClrLst>
+    <dgm:txEffectClrLst/>
+  </dgm:styleLbl>
+  <dgm:styleLbl name="bgImgPlace1">
+    <dgm:fillClrLst meth="repeat">
+      <a:schemeClr val="accent1">
+        <a:tint val="50000"/>
+      </a:schemeClr>
+    </dgm:fillClrLst>
+    <dgm:linClrLst meth="repeat">
+      <a:schemeClr val="lt1"/>
+    </dgm:linClrLst>
+    <dgm:effectClrLst/>
+    <dgm:txLinClrLst/>
+    <dgm:txFillClrLst meth="repeat">
+      <a:schemeClr val="lt1"/>
+    </dgm:txFillClrLst>
+    <dgm:txEffectClrLst/>
+  </dgm:styleLbl>
+  <dgm:styleLbl name="sibTrans2D1">
+    <dgm:fillClrLst meth="repeat">
+      <a:schemeClr val="accent1">
+        <a:tint val="60000"/>
+      </a:schemeClr>
+    </dgm:fillClrLst>
+    <dgm:linClrLst meth="repeat">
+      <a:schemeClr val="accent1">
+        <a:tint val="60000"/>
+      </a:schemeClr>
+    </dgm:linClrLst>
+    <dgm:effectClrLst/>
+    <dgm:txLinClrLst/>
+    <dgm:txFillClrLst/>
+    <dgm:txEffectClrLst/>
+  </dgm:styleLbl>
+  <dgm:styleLbl name="fgSibTrans2D1">
+    <dgm:fillClrLst meth="repeat">
+      <a:schemeClr val="accent1">
+        <a:tint val="60000"/>
+      </a:schemeClr>
+    </dgm:fillClrLst>
+    <dgm:linClrLst meth="repeat">
+      <a:schemeClr val="accent1">
+        <a:tint val="60000"/>
+      </a:schemeClr>
+    </dgm:linClrLst>
+    <dgm:effectClrLst/>
+    <dgm:txLinClrLst/>
+    <dgm:txFillClrLst/>
+    <dgm:txEffectClrLst/>
+  </dgm:styleLbl>
+  <dgm:styleLbl name="bgSibTrans2D1">
+    <dgm:fillClrLst meth="repeat">
+      <a:schemeClr val="accent1">
+        <a:tint val="60000"/>
+      </a:schemeClr>
+    </dgm:fillClrLst>
+    <dgm:linClrLst meth="repeat">
+      <a:schemeClr val="accent1">
+        <a:tint val="60000"/>
+      </a:schemeClr>
+    </dgm:linClrLst>
+    <dgm:effectClrLst/>
+    <dgm:txLinClrLst/>
+    <dgm:txFillClrLst/>
+    <dgm:txEffectClrLst/>
+  </dgm:styleLbl>
+  <dgm:styleLbl name="sibTrans1D1">
+    <dgm:fillClrLst meth="repeat">
+      <a:schemeClr val="accent1"/>
+    </dgm:fillClrLst>
+    <dgm:linClrLst meth="repeat">
+      <a:schemeClr val="accent1"/>
+    </dgm:linClrLst>
+    <dgm:effectClrLst/>
+    <dgm:txLinClrLst/>
+    <dgm:txFillClrLst meth="repeat">
+      <a:schemeClr val="tx1"/>
+    </dgm:txFillClrLst>
+    <dgm:txEffectClrLst/>
+  </dgm:styleLbl>
+  <dgm:styleLbl name="callout">
+    <dgm:fillClrLst meth="repeat">
+      <a:schemeClr val="accent1"/>
+    </dgm:fillClrLst>
+    <dgm:linClrLst meth="repeat">
+      <a:schemeClr val="accent1">
+        <a:tint val="50000"/>
+      </a:schemeClr>
+    </dgm:linClrLst>
+    <dgm:effectClrLst/>
+    <dgm:txLinClrLst/>
+    <dgm:txFillClrLst meth="repeat">
+      <a:schemeClr val="tx1"/>
+    </dgm:txFillClrLst>
+    <dgm:txEffectClrLst/>
+  </dgm:styleLbl>
+  <dgm:styleLbl name="asst0">
+    <dgm:fillClrLst meth="repeat">
+      <a:schemeClr val="accent1"/>
+    </dgm:fillClrLst>
+    <dgm:linClrLst meth="repeat">
+      <a:schemeClr val="lt1"/>
+    </dgm:linClrLst>
+    <dgm:effectClrLst/>
+    <dgm:txLinClrLst/>
+    <dgm:txFillClrLst/>
+    <dgm:txEffectClrLst/>
+  </dgm:styleLbl>
+  <dgm:styleLbl name="asst1">
+    <dgm:fillClrLst meth="repeat">
+      <a:schemeClr val="accent1"/>
+    </dgm:fillClrLst>
+    <dgm:linClrLst meth="repeat">
+      <a:schemeClr val="lt1"/>
+    </dgm:linClrLst>
+    <dgm:effectClrLst/>
+    <dgm:txLinClrLst/>
+    <dgm:txFillClrLst/>
+    <dgm:txEffectClrLst/>
+  </dgm:styleLbl>
+  <dgm:styleLbl name="asst2">
+    <dgm:fillClrLst meth="repeat">
+      <a:schemeClr val="accent1"/>
+    </dgm:fillClrLst>
+    <dgm:linClrLst meth="repeat">
+      <a:schemeClr val="lt1"/>
+    </dgm:linClrLst>
+    <dgm:effectClrLst/>
+    <dgm:txLinClrLst/>
+    <dgm:txFillClrLst/>
+    <dgm:txEffectClrLst/>
+  </dgm:styleLbl>
+  <dgm:styleLbl name="asst3">
+    <dgm:fillClrLst meth="repeat">
+      <a:schemeClr val="accent1"/>
+    </dgm:fillClrLst>
+    <dgm:linClrLst meth="repeat">
+      <a:schemeClr val="lt1"/>
+    </dgm:linClrLst>
+    <dgm:effectClrLst/>
+    <dgm:txLinClrLst/>
+    <dgm:txFillClrLst/>
+    <dgm:txEffectClrLst/>
+  </dgm:styleLbl>
+  <dgm:styleLbl name="asst4">
+    <dgm:fillClrLst meth="repeat">
+      <a:schemeClr val="accent1"/>
+    </dgm:fillClrLst>
+    <dgm:linClrLst meth="repeat">
+      <a:schemeClr val="lt1"/>
+    </dgm:linClrLst>
+    <dgm:effectClrLst/>
+    <dgm:txLinClrLst/>
+    <dgm:txFillClrLst/>
+    <dgm:txEffectClrLst/>
+  </dgm:styleLbl>
+  <dgm:styleLbl name="parChTrans2D1">
+    <dgm:fillClrLst meth="repeat">
+      <a:schemeClr val="accent1">
+        <a:tint val="60000"/>
+      </a:schemeClr>
+    </dgm:fillClrLst>
+    <dgm:linClrLst meth="repeat">
+      <a:schemeClr val="accent1">
+        <a:tint val="60000"/>
+      </a:schemeClr>
+    </dgm:linClrLst>
+    <dgm:effectClrLst/>
+    <dgm:txLinClrLst/>
+    <dgm:txFillClrLst meth="repeat">
+      <a:schemeClr val="lt1"/>
+    </dgm:txFillClrLst>
+    <dgm:txEffectClrLst/>
+  </dgm:styleLbl>
+  <dgm:styleLbl name="parChTrans2D2">
+    <dgm:fillClrLst meth="repeat">
+      <a:schemeClr val="accent1"/>
+    </dgm:fillClrLst>
+    <dgm:linClrLst meth="repeat">
+      <a:schemeClr val="accent1"/>
+    </dgm:linClrLst>
+    <dgm:effectClrLst/>
+    <dgm:txLinClrLst/>
+    <dgm:txFillClrLst meth="repeat">
+      <a:schemeClr val="lt1"/>
+    </dgm:txFillClrLst>
+    <dgm:txEffectClrLst/>
+  </dgm:styleLbl>
+  <dgm:styleLbl name="parChTrans2D3">
+    <dgm:fillClrLst meth="repeat">
+      <a:schemeClr val="accent1"/>
+    </dgm:fillClrLst>
+    <dgm:linClrLst meth="repeat">
+      <a:schemeClr val="accent1"/>
+    </dgm:linClrLst>
+    <dgm:effectClrLst/>
+    <dgm:txLinClrLst/>
+    <dgm:txFillClrLst meth="repeat">
+      <a:schemeClr val="lt1"/>
+    </dgm:txFillClrLst>
+    <dgm:txEffectClrLst/>
+  </dgm:styleLbl>
+  <dgm:styleLbl name="parChTrans2D4">
+    <dgm:fillClrLst meth="repeat">
+      <a:schemeClr val="accent1"/>
+    </dgm:fillClrLst>
+    <dgm:linClrLst meth="repeat">
+      <a:schemeClr val="accent1"/>
+    </dgm:linClrLst>
+    <dgm:effectClrLst/>
+    <dgm:txLinClrLst/>
+    <dgm:txFillClrLst meth="repeat">
+      <a:schemeClr val="lt1"/>
+    </dgm:txFillClrLst>
+    <dgm:txEffectClrLst/>
+  </dgm:styleLbl>
+  <dgm:styleLbl name="parChTrans1D1">
+    <dgm:fillClrLst meth="repeat">
+      <a:schemeClr val="accent1"/>
+    </dgm:fillClrLst>
+    <dgm:linClrLst meth="repeat">
+      <a:schemeClr val="accent1">
+        <a:shade val="60000"/>
+      </a:schemeClr>
+    </dgm:linClrLst>
+    <dgm:effectClrLst/>
+    <dgm:txLinClrLst/>
+    <dgm:txFillClrLst meth="repeat">
+      <a:schemeClr val="tx1"/>
+    </dgm:txFillClrLst>
+    <dgm:txEffectClrLst/>
+  </dgm:styleLbl>
+  <dgm:styleLbl name="parChTrans1D2">
+    <dgm:fillClrLst meth="repeat">
+      <a:schemeClr val="accent1"/>
+    </dgm:fillClrLst>
+    <dgm:linClrLst meth="repeat">
+      <a:schemeClr val="accent1">
+        <a:shade val="60000"/>
+      </a:schemeClr>
+    </dgm:linClrLst>
+    <dgm:effectClrLst/>
+    <dgm:txLinClrLst/>
+    <dgm:txFillClrLst meth="repeat">
+      <a:schemeClr val="tx1"/>
+    </dgm:txFillClrLst>
+    <dgm:txEffectClrLst/>
+  </dgm:styleLbl>
+  <dgm:styleLbl name="parChTrans1D3">
+    <dgm:fillClrLst meth="repeat">
+      <a:schemeClr val="accent1"/>
+    </dgm:fillClrLst>
+    <dgm:linClrLst meth="repeat">
+      <a:schemeClr val="accent1">
+        <a:shade val="80000"/>
+      </a:schemeClr>
+    </dgm:linClrLst>
+    <dgm:effectClrLst/>
+    <dgm:txLinClrLst/>
+    <dgm:txFillClrLst meth="repeat">
+      <a:schemeClr val="tx1"/>
+    </dgm:txFillClrLst>
+    <dgm:txEffectClrLst/>
+  </dgm:styleLbl>
+  <dgm:styleLbl name="parChTrans1D4">
+    <dgm:fillClrLst meth="repeat">
+      <a:schemeClr val="accent1"/>
+    </dgm:fillClrLst>
+    <dgm:linClrLst meth="repeat">
+      <a:schemeClr val="accent1">
+        <a:shade val="80000"/>
+      </a:schemeClr>
+    </dgm:linClrLst>
+    <dgm:effectClrLst/>
+    <dgm:txLinClrLst/>
+    <dgm:txFillClrLst meth="repeat">
+      <a:schemeClr val="tx1"/>
+    </dgm:txFillClrLst>
+    <dgm:txEffectClrLst/>
+  </dgm:styleLbl>
+  <dgm:styleLbl name="fgAcc1">
+    <dgm:fillClrLst meth="repeat">
+      <a:schemeClr val="lt1">
+        <a:alpha val="90000"/>
+      </a:schemeClr>
+    </dgm:fillClrLst>
+    <dgm:linClrLst meth="repeat">
+      <a:schemeClr val="accent1"/>
+    </dgm:linClrLst>
+    <dgm:effectClrLst/>
+    <dgm:txLinClrLst/>
+    <dgm:txFillClrLst meth="repeat">
+      <a:schemeClr val="dk1"/>
+    </dgm:txFillClrLst>
+    <dgm:txEffectClrLst/>
+  </dgm:styleLbl>
+  <dgm:styleLbl name="conFgAcc1">
+    <dgm:fillClrLst meth="repeat">
+      <a:schemeClr val="lt1">
+        <a:alpha val="90000"/>
+      </a:schemeClr>
+    </dgm:fillClrLst>
+    <dgm:linClrLst meth="repeat">
+      <a:schemeClr val="accent1"/>
+    </dgm:linClrLst>
+    <dgm:effectClrLst/>
+    <dgm:txLinClrLst/>
+    <dgm:txFillClrLst meth="repeat">
+      <a:schemeClr val="dk1"/>
+    </dgm:txFillClrLst>
+    <dgm:txEffectClrLst/>
+  </dgm:styleLbl>
+  <dgm:styleLbl name="alignAcc1">
+    <dgm:fillClrLst meth="repeat">
+      <a:schemeClr val="lt1">
+        <a:alpha val="90000"/>
+      </a:schemeClr>
+    </dgm:fillClrLst>
+    <dgm:linClrLst meth="repeat">
+      <a:schemeClr val="accent1"/>
+    </dgm:linClrLst>
+    <dgm:effectClrLst/>
+    <dgm:txLinClrLst/>
+    <dgm:txFillClrLst meth="repeat">
+      <a:schemeClr val="dk1"/>
+    </dgm:txFillClrLst>
+    <dgm:txEffectClrLst/>
+  </dgm:styleLbl>
+  <dgm:styleLbl name="trAlignAcc1">
+    <dgm:fillClrLst meth="repeat">
+      <a:schemeClr val="lt1">
+        <a:alpha val="40000"/>
+      </a:schemeClr>
+    </dgm:fillClrLst>
+    <dgm:linClrLst meth="repeat">
+      <a:schemeClr val="accent1"/>
+    </dgm:linClrLst>
+    <dgm:effectClrLst/>
+    <dgm:txLinClrLst/>
+    <dgm:txFillClrLst meth="repeat">
+      <a:schemeClr val="dk1"/>
+    </dgm:txFillClrLst>
+    <dgm:txEffectClrLst/>
+  </dgm:styleLbl>
+  <dgm:styleLbl name="bgAcc1">
+    <dgm:fillClrLst meth="repeat">
+      <a:schemeClr val="lt1">
+        <a:alpha val="90000"/>
+      </a:schemeClr>
+    </dgm:fillClrLst>
+    <dgm:linClrLst meth="repeat">
+      <a:schemeClr val="accent1"/>
+    </dgm:linClrLst>
+    <dgm:effectClrLst/>
+    <dgm:txLinClrLst/>
+    <dgm:txFillClrLst meth="repeat">
+      <a:schemeClr val="dk1"/>
+    </dgm:txFillClrLst>
+    <dgm:txEffectClrLst/>
+  </dgm:styleLbl>
+  <dgm:styleLbl name="solidFgAcc1">
+    <dgm:fillClrLst meth="repeat">
+      <a:schemeClr val="lt1"/>
+    </dgm:fillClrLst>
+    <dgm:linClrLst meth="repeat">
+      <a:schemeClr val="accent1"/>
+    </dgm:linClrLst>
+    <dgm:effectClrLst/>
+    <dgm:txLinClrLst/>
+    <dgm:txFillClrLst meth="repeat">
+      <a:schemeClr val="dk1"/>
+    </dgm:txFillClrLst>
+    <dgm:txEffectClrLst/>
+  </dgm:styleLbl>
+  <dgm:styleLbl name="solidAlignAcc1">
+    <dgm:fillClrLst meth="repeat">
+      <a:schemeClr val="lt1"/>
+    </dgm:fillClrLst>
+    <dgm:linClrLst meth="repeat">
+      <a:schemeClr val="accent1"/>
+    </dgm:linClrLst>
+    <dgm:effectClrLst/>
+    <dgm:txLinClrLst/>
+    <dgm:txFillClrLst meth="repeat">
+      <a:schemeClr val="dk1"/>
+    </dgm:txFillClrLst>
+    <dgm:txEffectClrLst/>
+  </dgm:styleLbl>
+  <dgm:styleLbl name="solidBgAcc1">
+    <dgm:fillClrLst meth="repeat">
+      <a:schemeClr val="lt1"/>
+    </dgm:fillClrLst>
+    <dgm:linClrLst meth="repeat">
+      <a:schemeClr val="accent1"/>
+    </dgm:linClrLst>
+    <dgm:effectClrLst/>
+    <dgm:txLinClrLst/>
+    <dgm:txFillClrLst meth="repeat">
+      <a:schemeClr val="dk1"/>
+    </dgm:txFillClrLst>
+    <dgm:txEffectClrLst/>
+  </dgm:styleLbl>
+  <dgm:styleLbl name="fgAccFollowNode1">
+    <dgm:fillClrLst meth="repeat">
+      <a:schemeClr val="accent1">
+        <a:alpha val="90000"/>
+        <a:tint val="40000"/>
+      </a:schemeClr>
+    </dgm:fillClrLst>
+    <dgm:linClrLst meth="repeat">
+      <a:schemeClr val="accent1">
+        <a:alpha val="90000"/>
+        <a:tint val="40000"/>
+      </a:schemeClr>
+    </dgm:linClrLst>
+    <dgm:effectClrLst/>
+    <dgm:txLinClrLst/>
+    <dgm:txFillClrLst meth="repeat">
+      <a:schemeClr val="dk1"/>
+    </dgm:txFillClrLst>
+    <dgm:txEffectClrLst/>
+  </dgm:styleLbl>
+  <dgm:styleLbl name="alignAccFollowNode1">
+    <dgm:fillClrLst meth="repeat">
+      <a:schemeClr val="accent1">
+        <a:alpha val="90000"/>
+        <a:tint val="40000"/>
+      </a:schemeClr>
+    </dgm:fillClrLst>
+    <dgm:linClrLst meth="repeat">
+      <a:schemeClr val="accent1">
+        <a:alpha val="90000"/>
+        <a:tint val="40000"/>
+      </a:schemeClr>
+    </dgm:linClrLst>
+    <dgm:effectClrLst/>
+    <dgm:txLinClrLst/>
+    <dgm:txFillClrLst meth="repeat">
+      <a:schemeClr val="dk1"/>
+    </dgm:txFillClrLst>
+    <dgm:txEffectClrLst/>
+  </dgm:styleLbl>
+  <dgm:styleLbl name="bgAccFollowNode1">
+    <dgm:fillClrLst meth="repeat">
+      <a:schemeClr val="accent1">
+        <a:alpha val="90000"/>
+        <a:tint val="40000"/>
+      </a:schemeClr>
+    </dgm:fillClrLst>
+    <dgm:linClrLst meth="repeat">
+      <a:schemeClr val="accent1">
+        <a:alpha val="90000"/>
+        <a:tint val="40000"/>
+      </a:schemeClr>
+    </dgm:linClrLst>
+    <dgm:effectClrLst/>
+    <dgm:txLinClrLst/>
+    <dgm:txFillClrLst meth="repeat">
+      <a:schemeClr val="dk1"/>
+    </dgm:txFillClrLst>
+    <dgm:txEffectClrLst/>
+  </dgm:styleLbl>
+  <dgm:styleLbl name="fgAcc0">
+    <dgm:fillClrLst meth="repeat">
+      <a:schemeClr val="lt1">
+        <a:alpha val="90000"/>
+      </a:schemeClr>
+    </dgm:fillClrLst>
+    <dgm:linClrLst meth="repeat">
+      <a:schemeClr val="accent1"/>
+    </dgm:linClrLst>
+    <dgm:effectClrLst/>
+    <dgm:txLinClrLst/>
+    <dgm:txFillClrLst meth="repeat">
+      <a:schemeClr val="dk1"/>
+    </dgm:txFillClrLst>
+    <dgm:txEffectClrLst/>
+  </dgm:styleLbl>
+  <dgm:styleLbl name="fgAcc2">
+    <dgm:fillClrLst meth="repeat">
+      <a:schemeClr val="lt1">
+        <a:alpha val="90000"/>
+      </a:schemeClr>
+    </dgm:fillClrLst>
+    <dgm:linClrLst meth="repeat">
+      <a:schemeClr val="accent1"/>
+    </dgm:linClrLst>
+    <dgm:effectClrLst/>
+    <dgm:txLinClrLst/>
+    <dgm:txFillClrLst meth="repeat">
+      <a:schemeClr val="dk1"/>
+    </dgm:txFillClrLst>
+    <dgm:txEffectClrLst/>
+  </dgm:styleLbl>
+  <dgm:styleLbl name="fgAcc3">
+    <dgm:fillClrLst meth="repeat">
+      <a:schemeClr val="lt1">
+        <a:alpha val="90000"/>
+      </a:schemeClr>
+    </dgm:fillClrLst>
+    <dgm:linClrLst meth="repeat">
+      <a:schemeClr val="accent1"/>
+    </dgm:linClrLst>
+    <dgm:effectClrLst/>
+    <dgm:txLinClrLst/>
+    <dgm:txFillClrLst meth="repeat">
+      <a:schemeClr val="dk1"/>
+    </dgm:txFillClrLst>
+    <dgm:txEffectClrLst/>
+  </dgm:styleLbl>
+  <dgm:styleLbl name="fgAcc4">
+    <dgm:fillClrLst meth="repeat">
+      <a:schemeClr val="lt1">
+        <a:alpha val="90000"/>
+      </a:schemeClr>
+    </dgm:fillClrLst>
+    <dgm:linClrLst meth="repeat">
+      <a:schemeClr val="accent1"/>
+    </dgm:linClrLst>
+    <dgm:effectClrLst/>
+    <dgm:txLinClrLst/>
+    <dgm:txFillClrLst meth="repeat">
+      <a:schemeClr val="dk1"/>
+    </dgm:txFillClrLst>
+    <dgm:txEffectClrLst/>
+  </dgm:styleLbl>
+  <dgm:styleLbl name="bgShp">
+    <dgm:fillClrLst meth="repeat">
+      <a:schemeClr val="accent1">
+        <a:tint val="40000"/>
+      </a:schemeClr>
+    </dgm:fillClrLst>
+    <dgm:linClrLst meth="repeat">
+      <a:schemeClr val="accent1"/>
+    </dgm:linClrLst>
+    <dgm:effectClrLst/>
+    <dgm:txLinClrLst/>
+    <dgm:txFillClrLst meth="repeat">
+      <a:schemeClr val="dk1"/>
+    </dgm:txFillClrLst>
+    <dgm:txEffectClrLst/>
+  </dgm:styleLbl>
+  <dgm:styleLbl name="dkBgShp">
+    <dgm:fillClrLst meth="repeat">
+      <a:schemeClr val="accent1">
+        <a:shade val="80000"/>
+      </a:schemeClr>
+    </dgm:fillClrLst>
+    <dgm:linClrLst meth="repeat">
+      <a:schemeClr val="accent1"/>
+    </dgm:linClrLst>
+    <dgm:effectClrLst/>
+    <dgm:txLinClrLst/>
+    <dgm:txFillClrLst meth="repeat">
+      <a:schemeClr val="lt1"/>
+    </dgm:txFillClrLst>
+    <dgm:txEffectClrLst/>
+  </dgm:styleLbl>
+  <dgm:styleLbl name="trBgShp">
+    <dgm:fillClrLst meth="repeat">
+      <a:schemeClr val="accent1">
+        <a:tint val="50000"/>
+        <a:alpha val="40000"/>
+      </a:schemeClr>
+    </dgm:fillClrLst>
+    <dgm:linClrLst meth="repeat">
+      <a:schemeClr val="accent1"/>
+    </dgm:linClrLst>
+    <dgm:effectClrLst/>
+    <dgm:txLinClrLst/>
+    <dgm:txFillClrLst meth="repeat">
+      <a:schemeClr val="lt1"/>
+    </dgm:txFillClrLst>
+    <dgm:txEffectClrLst/>
+  </dgm:styleLbl>
+  <dgm:styleLbl name="fgShp">
+    <dgm:fillClrLst meth="repeat">
+      <a:schemeClr val="accent1">
+        <a:tint val="60000"/>
+      </a:schemeClr>
+    </dgm:fillClrLst>
+    <dgm:linClrLst meth="repeat">
+      <a:schemeClr val="lt1"/>
+    </dgm:linClrLst>
+    <dgm:effectClrLst/>
+    <dgm:txLinClrLst/>
+    <dgm:txFillClrLst meth="repeat">
+      <a:schemeClr val="dk1"/>
+    </dgm:txFillClrLst>
+    <dgm:txEffectClrLst/>
+  </dgm:styleLbl>
+  <dgm:styleLbl name="revTx">
+    <dgm:fillClrLst meth="repeat">
+      <a:schemeClr val="lt1">
+        <a:alpha val="0"/>
+      </a:schemeClr>
+    </dgm:fillClrLst>
+    <dgm:linClrLst meth="repeat">
+      <a:schemeClr val="dk1">
+        <a:alpha val="0"/>
+      </a:schemeClr>
+    </dgm:linClrLst>
+    <dgm:effectClrLst/>
+    <dgm:txLinClrLst/>
+    <dgm:txFillClrLst meth="repeat">
+      <a:schemeClr val="tx1"/>
+    </dgm:txFillClrLst>
+    <dgm:txEffectClrLst/>
+  </dgm:styleLbl>
+</dgm:colorsDef>
+</file>
+
+<file path=ppt/diagrams/colors2.xml><?xml version="1.0" encoding="utf-8"?>
 <dgm:colorsDef xmlns:dgm="http://schemas.openxmlformats.org/drawingml/2006/diagram" xmlns:a="http://schemas.openxmlformats.org/drawingml/2006/main" uniqueId="urn:microsoft.com/office/officeart/2005/8/colors/accent1_2">
   <dgm:title val=""/>
   <dgm:desc val=""/>
@@ -1462,7 +2212,7 @@
       </dgm:t>
     </dgm:pt>
     <dgm:pt modelId="{D5A4B8BF-687B-46D5-81EB-CECED95F511F}" type="pres">
-      <dgm:prSet presAssocID="{EFF79703-EF3D-4BA3-AF5B-34DAE483C100}" presName="pillarX" presStyleLbl="node1" presStyleIdx="3" presStyleCnt="4">
+      <dgm:prSet presAssocID="{EFF79703-EF3D-4BA3-AF5B-34DAE483C100}" presName="pillarX" presStyleLbl="node1" presStyleIdx="3" presStyleCnt="4" custScaleX="113459">
         <dgm:presLayoutVars>
           <dgm:bulletEnabled val="1"/>
         </dgm:presLayoutVars>
@@ -1506,9 +2256,9 @@
     <dgm:cxn modelId="{A9AB7AB7-FA06-434A-ABD6-9F1F22BA1BFD}" type="presOf" srcId="{C0F21927-518A-4086-9175-73050EB277C8}" destId="{CB5716B2-871C-494E-949E-0E738634B4E2}" srcOrd="0" destOrd="0" presId="urn:microsoft.com/office/officeart/2005/8/layout/hList3"/>
     <dgm:cxn modelId="{2332B7DF-7D50-435E-9748-1D6529A14088}" srcId="{C0F21927-518A-4086-9175-73050EB277C8}" destId="{E4F52D72-B8C0-4473-B07E-748E171E3A71}" srcOrd="2" destOrd="0" parTransId="{A4570FD8-7B66-4BDE-BC93-436EF83D35E7}" sibTransId="{CE8C2E77-3B22-4368-BAC9-D12E207C09D1}"/>
     <dgm:cxn modelId="{2B4E0EF0-D8CE-4ED0-BC30-967FC3BADAEA}" srcId="{C479ED2C-B91E-4815-9F48-5E6AE7D2FACB}" destId="{ED896E93-5140-4ED2-A12B-82C924CE9A03}" srcOrd="2" destOrd="0" parTransId="{FED47296-7B08-4F57-AA5B-7FC4E5535E9C}" sibTransId="{C7E1D8F2-1917-4A11-9601-E3F6562C76EE}"/>
-    <dgm:cxn modelId="{EFA14DE2-5651-4679-BF08-AF13456A3FF8}" srcId="{C0F21927-518A-4086-9175-73050EB277C8}" destId="{7790398A-CB0E-4C10-8392-93D2909EBD96}" srcOrd="1" destOrd="0" parTransId="{991D1F7D-D0B5-4D18-9997-1D9B95A6903D}" sibTransId="{BBF08175-AC4E-412F-928A-12BB30912C64}"/>
     <dgm:cxn modelId="{FCA02DD2-1869-407D-9941-3F87AF97AB48}" type="presOf" srcId="{EFF79703-EF3D-4BA3-AF5B-34DAE483C100}" destId="{D5A4B8BF-687B-46D5-81EB-CECED95F511F}" srcOrd="0" destOrd="0" presId="urn:microsoft.com/office/officeart/2005/8/layout/hList3"/>
     <dgm:cxn modelId="{401279F1-05D0-465B-BDB7-0E09638DA7E3}" srcId="{C0F21927-518A-4086-9175-73050EB277C8}" destId="{334CE0F7-F596-4160-8B62-B61AFB53176E}" srcOrd="4" destOrd="0" parTransId="{27FA91F3-DCB7-41D6-AFDA-73F3B6632271}" sibTransId="{A8FDE59D-685E-4773-B672-2E07E00BFE6C}"/>
+    <dgm:cxn modelId="{EFA14DE2-5651-4679-BF08-AF13456A3FF8}" srcId="{C0F21927-518A-4086-9175-73050EB277C8}" destId="{7790398A-CB0E-4C10-8392-93D2909EBD96}" srcOrd="1" destOrd="0" parTransId="{991D1F7D-D0B5-4D18-9997-1D9B95A6903D}" sibTransId="{BBF08175-AC4E-412F-928A-12BB30912C64}"/>
     <dgm:cxn modelId="{959F98C7-2A4E-4AF8-86B0-213F62D6F123}" type="presOf" srcId="{6DD44939-5A97-4391-8EA0-0691B8166634}" destId="{E800B9B0-8C2B-4A3B-B7E9-EF54422A6596}" srcOrd="0" destOrd="0" presId="urn:microsoft.com/office/officeart/2005/8/layout/hList3"/>
     <dgm:cxn modelId="{D5E7B9A3-3244-40D5-A841-A02E1CD121CB}" srcId="{C479ED2C-B91E-4815-9F48-5E6AE7D2FACB}" destId="{6DD44939-5A97-4391-8EA0-0691B8166634}" srcOrd="1" destOrd="0" parTransId="{9F613478-BC38-4049-AA80-3DD6FD4F226E}" sibTransId="{10C4D878-15AF-404F-A365-72C28E12B230}"/>
     <dgm:cxn modelId="{0ABEC7C8-6D44-4C6E-BB70-0B4ED6963821}" type="presOf" srcId="{C479ED2C-B91E-4815-9F48-5E6AE7D2FACB}" destId="{A3C02618-A356-454C-963B-DA65CD93FE16}" srcOrd="0" destOrd="0" presId="urn:microsoft.com/office/officeart/2005/8/layout/hList3"/>
@@ -1528,9 +2278,714 @@
   <dgm:whole/>
   <dgm:extLst>
     <a:ext uri="http://schemas.microsoft.com/office/drawing/2008/diagram">
-      <dsp:dataModelExt xmlns:dsp="http://schemas.microsoft.com/office/drawing/2008/diagram" xmlns="" relId="rId7" minVer="http://schemas.openxmlformats.org/drawingml/2006/diagram"/>
+      <dsp:dataModelExt xmlns="" xmlns:dsp="http://schemas.microsoft.com/office/drawing/2008/diagram" relId="rId7" minVer="http://schemas.openxmlformats.org/drawingml/2006/diagram"/>
     </a:ext>
   </dgm:extLst>
+</dgm:dataModel>
+</file>
+
+<file path=ppt/diagrams/data2.xml><?xml version="1.0" encoding="utf-8"?>
+<dgm:dataModel xmlns:dgm="http://schemas.openxmlformats.org/drawingml/2006/diagram" xmlns:a="http://schemas.openxmlformats.org/drawingml/2006/main">
+  <dgm:ptLst>
+    <dgm:pt modelId="{C0F21927-518A-4086-9175-73050EB277C8}" type="doc">
+      <dgm:prSet loTypeId="urn:microsoft.com/office/officeart/2005/8/layout/hList3" loCatId="list" qsTypeId="urn:microsoft.com/office/officeart/2005/8/quickstyle/simple5" qsCatId="simple" csTypeId="urn:microsoft.com/office/officeart/2005/8/colors/accent1_2" csCatId="accent1" phldr="1"/>
+      <dgm:spPr/>
+      <dgm:t>
+        <a:bodyPr/>
+        <a:lstStyle/>
+        <a:p>
+          <a:endParaRPr lang="ru-RU"/>
+        </a:p>
+      </dgm:t>
+    </dgm:pt>
+    <dgm:pt modelId="{C479ED2C-B91E-4815-9F48-5E6AE7D2FACB}">
+      <dgm:prSet custT="1"/>
+      <dgm:spPr>
+        <a:solidFill>
+          <a:srgbClr val="00549A"/>
+        </a:solidFill>
+        <a:ln>
+          <a:solidFill>
+            <a:schemeClr val="accent1">
+              <a:lumMod val="60000"/>
+              <a:lumOff val="40000"/>
+            </a:schemeClr>
+          </a:solidFill>
+        </a:ln>
+      </dgm:spPr>
+      <dgm:t>
+        <a:bodyPr/>
+        <a:lstStyle/>
+        <a:p>
+          <a:pPr rtl="0"/>
+          <a:r>
+            <a:rPr lang="ru-RU" sz="3600" dirty="0" smtClean="0">
+              <a:effectLst>
+                <a:outerShdw blurRad="38100" dist="38100" dir="2700000" algn="tl">
+                  <a:srgbClr val="000000">
+                    <a:alpha val="43137"/>
+                  </a:srgbClr>
+                </a:outerShdw>
+              </a:effectLst>
+            </a:rPr>
+            <a:t>Основные преимущества для </a:t>
+          </a:r>
+          <a:r>
+            <a:rPr lang="ru-RU" sz="3600" dirty="0" smtClean="0">
+              <a:effectLst>
+                <a:outerShdw blurRad="38100" dist="38100" dir="2700000" algn="tl">
+                  <a:srgbClr val="000000">
+                    <a:alpha val="43137"/>
+                  </a:srgbClr>
+                </a:outerShdw>
+              </a:effectLst>
+            </a:rPr>
+            <a:t>поставщиков </a:t>
+          </a:r>
+          <a:r>
+            <a:rPr lang="ru-RU" sz="3600" dirty="0" smtClean="0">
+              <a:effectLst>
+                <a:outerShdw blurRad="38100" dist="38100" dir="2700000" algn="tl">
+                  <a:srgbClr val="000000">
+                    <a:alpha val="43137"/>
+                  </a:srgbClr>
+                </a:outerShdw>
+              </a:effectLst>
+            </a:rPr>
+            <a:t>и компании</a:t>
+          </a:r>
+          <a:endParaRPr lang="ru-RU" sz="3600" dirty="0">
+            <a:effectLst>
+              <a:outerShdw blurRad="38100" dist="38100" dir="2700000" algn="tl">
+                <a:srgbClr val="000000">
+                  <a:alpha val="43137"/>
+                </a:srgbClr>
+              </a:outerShdw>
+            </a:effectLst>
+          </a:endParaRPr>
+        </a:p>
+      </dgm:t>
+    </dgm:pt>
+    <dgm:pt modelId="{103CA8B3-4F3C-4C08-83FE-56956057E0A2}" type="parTrans" cxnId="{E317C7C9-9F55-4C5C-91C6-02FBB3E10383}">
+      <dgm:prSet/>
+      <dgm:spPr/>
+      <dgm:t>
+        <a:bodyPr/>
+        <a:lstStyle/>
+        <a:p>
+          <a:endParaRPr lang="ru-RU"/>
+        </a:p>
+      </dgm:t>
+    </dgm:pt>
+    <dgm:pt modelId="{AD8FFBA3-4D11-4D65-A066-927B9C05CAB0}" type="sibTrans" cxnId="{E317C7C9-9F55-4C5C-91C6-02FBB3E10383}">
+      <dgm:prSet/>
+      <dgm:spPr/>
+      <dgm:t>
+        <a:bodyPr/>
+        <a:lstStyle/>
+        <a:p>
+          <a:endParaRPr lang="ru-RU"/>
+        </a:p>
+      </dgm:t>
+    </dgm:pt>
+    <dgm:pt modelId="{7790398A-CB0E-4C10-8392-93D2909EBD96}">
+      <dgm:prSet/>
+      <dgm:spPr/>
+      <dgm:t>
+        <a:bodyPr/>
+        <a:lstStyle/>
+        <a:p>
+          <a:endParaRPr lang="ru-RU" dirty="0"/>
+        </a:p>
+      </dgm:t>
+    </dgm:pt>
+    <dgm:pt modelId="{991D1F7D-D0B5-4D18-9997-1D9B95A6903D}" type="parTrans" cxnId="{EFA14DE2-5651-4679-BF08-AF13456A3FF8}">
+      <dgm:prSet/>
+      <dgm:spPr/>
+      <dgm:t>
+        <a:bodyPr/>
+        <a:lstStyle/>
+        <a:p>
+          <a:endParaRPr lang="ru-RU"/>
+        </a:p>
+      </dgm:t>
+    </dgm:pt>
+    <dgm:pt modelId="{BBF08175-AC4E-412F-928A-12BB30912C64}" type="sibTrans" cxnId="{EFA14DE2-5651-4679-BF08-AF13456A3FF8}">
+      <dgm:prSet/>
+      <dgm:spPr/>
+      <dgm:t>
+        <a:bodyPr/>
+        <a:lstStyle/>
+        <a:p>
+          <a:endParaRPr lang="ru-RU"/>
+        </a:p>
+      </dgm:t>
+    </dgm:pt>
+    <dgm:pt modelId="{E4F52D72-B8C0-4473-B07E-748E171E3A71}">
+      <dgm:prSet/>
+      <dgm:spPr/>
+      <dgm:t>
+        <a:bodyPr/>
+        <a:lstStyle/>
+        <a:p>
+          <a:endParaRPr lang="ru-RU" dirty="0"/>
+        </a:p>
+      </dgm:t>
+    </dgm:pt>
+    <dgm:pt modelId="{A4570FD8-7B66-4BDE-BC93-436EF83D35E7}" type="parTrans" cxnId="{2332B7DF-7D50-435E-9748-1D6529A14088}">
+      <dgm:prSet/>
+      <dgm:spPr/>
+      <dgm:t>
+        <a:bodyPr/>
+        <a:lstStyle/>
+        <a:p>
+          <a:endParaRPr lang="ru-RU"/>
+        </a:p>
+      </dgm:t>
+    </dgm:pt>
+    <dgm:pt modelId="{CE8C2E77-3B22-4368-BAC9-D12E207C09D1}" type="sibTrans" cxnId="{2332B7DF-7D50-435E-9748-1D6529A14088}">
+      <dgm:prSet/>
+      <dgm:spPr/>
+      <dgm:t>
+        <a:bodyPr/>
+        <a:lstStyle/>
+        <a:p>
+          <a:endParaRPr lang="ru-RU"/>
+        </a:p>
+      </dgm:t>
+    </dgm:pt>
+    <dgm:pt modelId="{87956348-274B-4833-8112-38A1D0D31B27}">
+      <dgm:prSet/>
+      <dgm:spPr/>
+      <dgm:t>
+        <a:bodyPr/>
+        <a:lstStyle/>
+        <a:p>
+          <a:endParaRPr lang="ru-RU" dirty="0"/>
+        </a:p>
+      </dgm:t>
+    </dgm:pt>
+    <dgm:pt modelId="{52C0DB4F-9FD9-4C67-B113-A262A8F98047}" type="parTrans" cxnId="{4E314057-DEFE-4B60-A495-5F67390FB748}">
+      <dgm:prSet/>
+      <dgm:spPr/>
+      <dgm:t>
+        <a:bodyPr/>
+        <a:lstStyle/>
+        <a:p>
+          <a:endParaRPr lang="ru-RU"/>
+        </a:p>
+      </dgm:t>
+    </dgm:pt>
+    <dgm:pt modelId="{A2EB4F59-A560-4790-8B2E-36BF41C61090}" type="sibTrans" cxnId="{4E314057-DEFE-4B60-A495-5F67390FB748}">
+      <dgm:prSet/>
+      <dgm:spPr/>
+      <dgm:t>
+        <a:bodyPr/>
+        <a:lstStyle/>
+        <a:p>
+          <a:endParaRPr lang="ru-RU"/>
+        </a:p>
+      </dgm:t>
+    </dgm:pt>
+    <dgm:pt modelId="{334CE0F7-F596-4160-8B62-B61AFB53176E}">
+      <dgm:prSet/>
+      <dgm:spPr/>
+      <dgm:t>
+        <a:bodyPr/>
+        <a:lstStyle/>
+        <a:p>
+          <a:endParaRPr lang="ru-RU" dirty="0"/>
+        </a:p>
+      </dgm:t>
+    </dgm:pt>
+    <dgm:pt modelId="{27FA91F3-DCB7-41D6-AFDA-73F3B6632271}" type="parTrans" cxnId="{401279F1-05D0-465B-BDB7-0E09638DA7E3}">
+      <dgm:prSet/>
+      <dgm:spPr/>
+      <dgm:t>
+        <a:bodyPr/>
+        <a:lstStyle/>
+        <a:p>
+          <a:endParaRPr lang="ru-RU"/>
+        </a:p>
+      </dgm:t>
+    </dgm:pt>
+    <dgm:pt modelId="{A8FDE59D-685E-4773-B672-2E07E00BFE6C}" type="sibTrans" cxnId="{401279F1-05D0-465B-BDB7-0E09638DA7E3}">
+      <dgm:prSet/>
+      <dgm:spPr/>
+      <dgm:t>
+        <a:bodyPr/>
+        <a:lstStyle/>
+        <a:p>
+          <a:endParaRPr lang="ru-RU"/>
+        </a:p>
+      </dgm:t>
+    </dgm:pt>
+    <dgm:pt modelId="{1059AD2A-A92B-4A82-B2A4-50EEB5D89CA0}">
+      <dgm:prSet custT="1"/>
+      <dgm:spPr>
+        <a:solidFill>
+          <a:srgbClr val="00549A"/>
+        </a:solidFill>
+        <a:ln>
+          <a:solidFill>
+            <a:schemeClr val="accent1">
+              <a:lumMod val="60000"/>
+              <a:lumOff val="40000"/>
+            </a:schemeClr>
+          </a:solidFill>
+        </a:ln>
+      </dgm:spPr>
+      <dgm:t>
+        <a:bodyPr/>
+        <a:lstStyle/>
+        <a:p>
+          <a:pPr algn="ctr" rtl="0"/>
+          <a:r>
+            <a:rPr lang="ru-RU" sz="1600" dirty="0" smtClean="0">
+              <a:effectLst>
+                <a:outerShdw blurRad="38100" dist="38100" dir="2700000" algn="tl">
+                  <a:srgbClr val="000000">
+                    <a:alpha val="43137"/>
+                  </a:srgbClr>
+                </a:outerShdw>
+              </a:effectLst>
+            </a:rPr>
+            <a:t>Отслеживание статуса груза и листа заказа в режиме реального времени в едином источнике для сотрудников компании и поставщиков.</a:t>
+          </a:r>
+          <a:endParaRPr lang="ru-RU" sz="1600" dirty="0">
+            <a:effectLst>
+              <a:outerShdw blurRad="38100" dist="38100" dir="2700000" algn="tl">
+                <a:srgbClr val="000000">
+                  <a:alpha val="43137"/>
+                </a:srgbClr>
+              </a:outerShdw>
+            </a:effectLst>
+          </a:endParaRPr>
+        </a:p>
+      </dgm:t>
+    </dgm:pt>
+    <dgm:pt modelId="{12BF1236-4F01-4E38-89AA-9DAD55BAAEBB}" type="parTrans" cxnId="{611410B9-2750-457F-9087-D76A2FD98B7D}">
+      <dgm:prSet/>
+      <dgm:spPr/>
+      <dgm:t>
+        <a:bodyPr/>
+        <a:lstStyle/>
+        <a:p>
+          <a:endParaRPr lang="ru-RU"/>
+        </a:p>
+      </dgm:t>
+    </dgm:pt>
+    <dgm:pt modelId="{F26C68C5-E433-4634-94C4-75B8688964E7}" type="sibTrans" cxnId="{611410B9-2750-457F-9087-D76A2FD98B7D}">
+      <dgm:prSet/>
+      <dgm:spPr/>
+      <dgm:t>
+        <a:bodyPr/>
+        <a:lstStyle/>
+        <a:p>
+          <a:endParaRPr lang="ru-RU"/>
+        </a:p>
+      </dgm:t>
+    </dgm:pt>
+    <dgm:pt modelId="{6DD44939-5A97-4391-8EA0-0691B8166634}">
+      <dgm:prSet custT="1"/>
+      <dgm:spPr>
+        <a:solidFill>
+          <a:srgbClr val="00549A"/>
+        </a:solidFill>
+        <a:ln>
+          <a:solidFill>
+            <a:schemeClr val="accent1">
+              <a:lumMod val="60000"/>
+              <a:lumOff val="40000"/>
+            </a:schemeClr>
+          </a:solidFill>
+        </a:ln>
+      </dgm:spPr>
+      <dgm:t>
+        <a:bodyPr/>
+        <a:lstStyle/>
+        <a:p>
+          <a:pPr rtl="0"/>
+          <a:r>
+            <a:rPr lang="ru-RU" sz="1600" dirty="0" smtClean="0">
+              <a:effectLst>
+                <a:outerShdw blurRad="38100" dist="38100" dir="2700000" algn="tl">
+                  <a:srgbClr val="000000">
+                    <a:alpha val="43137"/>
+                  </a:srgbClr>
+                </a:outerShdw>
+              </a:effectLst>
+            </a:rPr>
+            <a:t>Контроль </a:t>
+          </a:r>
+          <a:r>
+            <a:rPr lang="ru-RU" sz="1600" dirty="0" smtClean="0">
+              <a:effectLst>
+                <a:outerShdw blurRad="38100" dist="38100" dir="2700000" algn="tl">
+                  <a:srgbClr val="000000">
+                    <a:alpha val="43137"/>
+                  </a:srgbClr>
+                </a:outerShdw>
+              </a:effectLst>
+            </a:rPr>
+            <a:t>поставок. </a:t>
+          </a:r>
+          <a:r>
+            <a:rPr lang="ru-RU" sz="1600" dirty="0" smtClean="0">
+              <a:effectLst>
+                <a:outerShdw blurRad="38100" dist="38100" dir="2700000" algn="tl">
+                  <a:srgbClr val="000000">
+                    <a:alpha val="43137"/>
+                  </a:srgbClr>
+                </a:outerShdw>
+              </a:effectLst>
+            </a:rPr>
+            <a:t>Информация о плановом </a:t>
+          </a:r>
+          <a:r>
+            <a:rPr lang="ru-RU" sz="1600" dirty="0" smtClean="0">
+              <a:effectLst>
+                <a:outerShdw blurRad="38100" dist="38100" dir="2700000" algn="tl">
+                  <a:srgbClr val="000000">
+                    <a:alpha val="43137"/>
+                  </a:srgbClr>
+                </a:outerShdw>
+              </a:effectLst>
+            </a:rPr>
+            <a:t>времени прихода ТС</a:t>
+          </a:r>
+          <a:endParaRPr lang="ru-RU" sz="1600" dirty="0">
+            <a:effectLst>
+              <a:outerShdw blurRad="38100" dist="38100" dir="2700000" algn="tl">
+                <a:srgbClr val="000000">
+                  <a:alpha val="43137"/>
+                </a:srgbClr>
+              </a:outerShdw>
+            </a:effectLst>
+          </a:endParaRPr>
+        </a:p>
+      </dgm:t>
+    </dgm:pt>
+    <dgm:pt modelId="{9F613478-BC38-4049-AA80-3DD6FD4F226E}" type="parTrans" cxnId="{D5E7B9A3-3244-40D5-A841-A02E1CD121CB}">
+      <dgm:prSet/>
+      <dgm:spPr/>
+      <dgm:t>
+        <a:bodyPr/>
+        <a:lstStyle/>
+        <a:p>
+          <a:endParaRPr lang="ru-RU"/>
+        </a:p>
+      </dgm:t>
+    </dgm:pt>
+    <dgm:pt modelId="{10C4D878-15AF-404F-A365-72C28E12B230}" type="sibTrans" cxnId="{D5E7B9A3-3244-40D5-A841-A02E1CD121CB}">
+      <dgm:prSet/>
+      <dgm:spPr/>
+      <dgm:t>
+        <a:bodyPr/>
+        <a:lstStyle/>
+        <a:p>
+          <a:endParaRPr lang="ru-RU"/>
+        </a:p>
+      </dgm:t>
+    </dgm:pt>
+    <dgm:pt modelId="{ED896E93-5140-4ED2-A12B-82C924CE9A03}">
+      <dgm:prSet custT="1"/>
+      <dgm:spPr>
+        <a:solidFill>
+          <a:srgbClr val="00549A"/>
+        </a:solidFill>
+        <a:ln>
+          <a:solidFill>
+            <a:schemeClr val="accent1">
+              <a:lumMod val="60000"/>
+              <a:lumOff val="40000"/>
+            </a:schemeClr>
+          </a:solidFill>
+        </a:ln>
+      </dgm:spPr>
+      <dgm:t>
+        <a:bodyPr/>
+        <a:lstStyle/>
+        <a:p>
+          <a:pPr rtl="0"/>
+          <a:r>
+            <a:rPr lang="ru-RU" sz="1600" dirty="0" smtClean="0">
+              <a:effectLst>
+                <a:outerShdw blurRad="38100" dist="38100" dir="2700000" algn="tl">
+                  <a:srgbClr val="000000">
+                    <a:alpha val="43137"/>
+                  </a:srgbClr>
+                </a:outerShdw>
+              </a:effectLst>
+            </a:rPr>
+            <a:t>Быстрое уведомление поставщиков и сотрудников склада об изменениях.</a:t>
+          </a:r>
+          <a:endParaRPr lang="ru-RU" sz="1600" dirty="0">
+            <a:effectLst>
+              <a:outerShdw blurRad="38100" dist="38100" dir="2700000" algn="tl">
+                <a:srgbClr val="000000">
+                  <a:alpha val="43137"/>
+                </a:srgbClr>
+              </a:outerShdw>
+            </a:effectLst>
+          </a:endParaRPr>
+        </a:p>
+      </dgm:t>
+    </dgm:pt>
+    <dgm:pt modelId="{FED47296-7B08-4F57-AA5B-7FC4E5535E9C}" type="parTrans" cxnId="{2B4E0EF0-D8CE-4ED0-BC30-967FC3BADAEA}">
+      <dgm:prSet/>
+      <dgm:spPr/>
+      <dgm:t>
+        <a:bodyPr/>
+        <a:lstStyle/>
+        <a:p>
+          <a:endParaRPr lang="ru-RU"/>
+        </a:p>
+      </dgm:t>
+    </dgm:pt>
+    <dgm:pt modelId="{C7E1D8F2-1917-4A11-9601-E3F6562C76EE}" type="sibTrans" cxnId="{2B4E0EF0-D8CE-4ED0-BC30-967FC3BADAEA}">
+      <dgm:prSet/>
+      <dgm:spPr/>
+      <dgm:t>
+        <a:bodyPr/>
+        <a:lstStyle/>
+        <a:p>
+          <a:endParaRPr lang="ru-RU"/>
+        </a:p>
+      </dgm:t>
+    </dgm:pt>
+    <dgm:pt modelId="{EFF79703-EF3D-4BA3-AF5B-34DAE483C100}">
+      <dgm:prSet custT="1"/>
+      <dgm:spPr>
+        <a:solidFill>
+          <a:srgbClr val="00549A"/>
+        </a:solidFill>
+        <a:ln>
+          <a:solidFill>
+            <a:schemeClr val="accent1">
+              <a:lumMod val="60000"/>
+              <a:lumOff val="40000"/>
+            </a:schemeClr>
+          </a:solidFill>
+        </a:ln>
+      </dgm:spPr>
+      <dgm:t>
+        <a:bodyPr/>
+        <a:lstStyle/>
+        <a:p>
+          <a:pPr rtl="0"/>
+          <a:r>
+            <a:rPr lang="ru-RU" sz="1600" dirty="0" smtClean="0">
+              <a:effectLst>
+                <a:outerShdw blurRad="38100" dist="38100" dir="2700000" algn="tl">
+                  <a:srgbClr val="000000">
+                    <a:alpha val="43137"/>
+                  </a:srgbClr>
+                </a:outerShdw>
+              </a:effectLst>
+            </a:rPr>
+            <a:t>Контроль и данные </a:t>
+          </a:r>
+          <a:r>
+            <a:rPr lang="ru-RU" sz="1600" smtClean="0">
+              <a:effectLst>
+                <a:outerShdw blurRad="38100" dist="38100" dir="2700000" algn="tl">
+                  <a:srgbClr val="000000">
+                    <a:alpha val="43137"/>
+                  </a:srgbClr>
+                </a:outerShdw>
+              </a:effectLst>
+            </a:rPr>
+            <a:t>для </a:t>
+          </a:r>
+          <a:r>
+            <a:rPr lang="ru-RU" sz="1600" smtClean="0">
+              <a:effectLst>
+                <a:outerShdw blurRad="38100" dist="38100" dir="2700000" algn="tl">
+                  <a:srgbClr val="000000">
+                    <a:alpha val="43137"/>
+                  </a:srgbClr>
+                </a:outerShdw>
+              </a:effectLst>
+            </a:rPr>
+            <a:t>аналитики</a:t>
+          </a:r>
+          <a:endParaRPr lang="ru-RU" sz="1600" dirty="0">
+            <a:effectLst>
+              <a:outerShdw blurRad="38100" dist="38100" dir="2700000" algn="tl">
+                <a:srgbClr val="000000">
+                  <a:alpha val="43137"/>
+                </a:srgbClr>
+              </a:outerShdw>
+            </a:effectLst>
+          </a:endParaRPr>
+        </a:p>
+      </dgm:t>
+    </dgm:pt>
+    <dgm:pt modelId="{DE7ED1BD-EB8E-4E52-B6A3-DC43AC0EC1E5}" type="parTrans" cxnId="{B8ABC7A3-CA92-4949-974B-B4D43AD739B9}">
+      <dgm:prSet/>
+      <dgm:spPr/>
+      <dgm:t>
+        <a:bodyPr/>
+        <a:lstStyle/>
+        <a:p>
+          <a:endParaRPr lang="ru-RU"/>
+        </a:p>
+      </dgm:t>
+    </dgm:pt>
+    <dgm:pt modelId="{8D15BE2A-6219-4CB7-98C8-D2DB87D1F7CD}" type="sibTrans" cxnId="{B8ABC7A3-CA92-4949-974B-B4D43AD739B9}">
+      <dgm:prSet/>
+      <dgm:spPr/>
+      <dgm:t>
+        <a:bodyPr/>
+        <a:lstStyle/>
+        <a:p>
+          <a:endParaRPr lang="ru-RU"/>
+        </a:p>
+      </dgm:t>
+    </dgm:pt>
+    <dgm:pt modelId="{CB5716B2-871C-494E-949E-0E738634B4E2}" type="pres">
+      <dgm:prSet presAssocID="{C0F21927-518A-4086-9175-73050EB277C8}" presName="composite" presStyleCnt="0">
+        <dgm:presLayoutVars>
+          <dgm:chMax val="1"/>
+          <dgm:dir/>
+          <dgm:resizeHandles val="exact"/>
+        </dgm:presLayoutVars>
+      </dgm:prSet>
+      <dgm:spPr/>
+      <dgm:t>
+        <a:bodyPr/>
+        <a:lstStyle/>
+        <a:p>
+          <a:endParaRPr lang="ru-RU"/>
+        </a:p>
+      </dgm:t>
+    </dgm:pt>
+    <dgm:pt modelId="{A3C02618-A356-454C-963B-DA65CD93FE16}" type="pres">
+      <dgm:prSet presAssocID="{C479ED2C-B91E-4815-9F48-5E6AE7D2FACB}" presName="roof" presStyleLbl="dkBgShp" presStyleIdx="0" presStyleCnt="2" custLinFactNeighborX="-372" custLinFactNeighborY="-4654"/>
+      <dgm:spPr/>
+      <dgm:t>
+        <a:bodyPr/>
+        <a:lstStyle/>
+        <a:p>
+          <a:endParaRPr lang="ru-RU"/>
+        </a:p>
+      </dgm:t>
+    </dgm:pt>
+    <dgm:pt modelId="{B7F2CD7C-2617-4D29-8E11-4BC75A821867}" type="pres">
+      <dgm:prSet presAssocID="{C479ED2C-B91E-4815-9F48-5E6AE7D2FACB}" presName="pillars" presStyleCnt="0"/>
+      <dgm:spPr/>
+    </dgm:pt>
+    <dgm:pt modelId="{10DAD0EF-159F-42AA-843B-9D06A6E8ACAF}" type="pres">
+      <dgm:prSet presAssocID="{C479ED2C-B91E-4815-9F48-5E6AE7D2FACB}" presName="pillar1" presStyleLbl="node1" presStyleIdx="0" presStyleCnt="4">
+        <dgm:presLayoutVars>
+          <dgm:bulletEnabled val="1"/>
+        </dgm:presLayoutVars>
+      </dgm:prSet>
+      <dgm:spPr/>
+      <dgm:t>
+        <a:bodyPr/>
+        <a:lstStyle/>
+        <a:p>
+          <a:endParaRPr lang="ru-RU"/>
+        </a:p>
+      </dgm:t>
+    </dgm:pt>
+    <dgm:pt modelId="{E800B9B0-8C2B-4A3B-B7E9-EF54422A6596}" type="pres">
+      <dgm:prSet presAssocID="{6DD44939-5A97-4391-8EA0-0691B8166634}" presName="pillarX" presStyleLbl="node1" presStyleIdx="1" presStyleCnt="4">
+        <dgm:presLayoutVars>
+          <dgm:bulletEnabled val="1"/>
+        </dgm:presLayoutVars>
+      </dgm:prSet>
+      <dgm:spPr/>
+      <dgm:t>
+        <a:bodyPr/>
+        <a:lstStyle/>
+        <a:p>
+          <a:endParaRPr lang="ru-RU"/>
+        </a:p>
+      </dgm:t>
+    </dgm:pt>
+    <dgm:pt modelId="{ECFB5ABC-657E-4FE6-8C26-D550F88A34D0}" type="pres">
+      <dgm:prSet presAssocID="{ED896E93-5140-4ED2-A12B-82C924CE9A03}" presName="pillarX" presStyleLbl="node1" presStyleIdx="2" presStyleCnt="4">
+        <dgm:presLayoutVars>
+          <dgm:bulletEnabled val="1"/>
+        </dgm:presLayoutVars>
+      </dgm:prSet>
+      <dgm:spPr/>
+      <dgm:t>
+        <a:bodyPr/>
+        <a:lstStyle/>
+        <a:p>
+          <a:endParaRPr lang="ru-RU"/>
+        </a:p>
+      </dgm:t>
+    </dgm:pt>
+    <dgm:pt modelId="{D5A4B8BF-687B-46D5-81EB-CECED95F511F}" type="pres">
+      <dgm:prSet presAssocID="{EFF79703-EF3D-4BA3-AF5B-34DAE483C100}" presName="pillarX" presStyleLbl="node1" presStyleIdx="3" presStyleCnt="4" custScaleX="113459">
+        <dgm:presLayoutVars>
+          <dgm:bulletEnabled val="1"/>
+        </dgm:presLayoutVars>
+      </dgm:prSet>
+      <dgm:spPr/>
+      <dgm:t>
+        <a:bodyPr/>
+        <a:lstStyle/>
+        <a:p>
+          <a:endParaRPr lang="ru-RU"/>
+        </a:p>
+      </dgm:t>
+    </dgm:pt>
+    <dgm:pt modelId="{67E4BE28-6D5C-4D39-B3BC-4F4DBA6EB217}" type="pres">
+      <dgm:prSet presAssocID="{C479ED2C-B91E-4815-9F48-5E6AE7D2FACB}" presName="base" presStyleLbl="dkBgShp" presStyleIdx="1" presStyleCnt="2"/>
+      <dgm:spPr>
+        <a:solidFill>
+          <a:srgbClr val="00549A"/>
+        </a:solidFill>
+        <a:ln>
+          <a:solidFill>
+            <a:schemeClr val="accent1">
+              <a:lumMod val="60000"/>
+              <a:lumOff val="40000"/>
+            </a:schemeClr>
+          </a:solidFill>
+        </a:ln>
+      </dgm:spPr>
+      <dgm:t>
+        <a:bodyPr/>
+        <a:lstStyle/>
+        <a:p>
+          <a:endParaRPr lang="ru-RU"/>
+        </a:p>
+      </dgm:t>
+    </dgm:pt>
+  </dgm:ptLst>
+  <dgm:cxnLst>
+    <dgm:cxn modelId="{65D010D1-5586-4173-9302-F78E57B86D4E}" type="presOf" srcId="{6DD44939-5A97-4391-8EA0-0691B8166634}" destId="{E800B9B0-8C2B-4A3B-B7E9-EF54422A6596}" srcOrd="0" destOrd="0" presId="urn:microsoft.com/office/officeart/2005/8/layout/hList3"/>
+    <dgm:cxn modelId="{05AFE38E-E005-433E-B9CE-6D46A62A7DED}" type="presOf" srcId="{C0F21927-518A-4086-9175-73050EB277C8}" destId="{CB5716B2-871C-494E-949E-0E738634B4E2}" srcOrd="0" destOrd="0" presId="urn:microsoft.com/office/officeart/2005/8/layout/hList3"/>
+    <dgm:cxn modelId="{E317C7C9-9F55-4C5C-91C6-02FBB3E10383}" srcId="{C0F21927-518A-4086-9175-73050EB277C8}" destId="{C479ED2C-B91E-4815-9F48-5E6AE7D2FACB}" srcOrd="0" destOrd="0" parTransId="{103CA8B3-4F3C-4C08-83FE-56956057E0A2}" sibTransId="{AD8FFBA3-4D11-4D65-A066-927B9C05CAB0}"/>
+    <dgm:cxn modelId="{2332B7DF-7D50-435E-9748-1D6529A14088}" srcId="{C0F21927-518A-4086-9175-73050EB277C8}" destId="{E4F52D72-B8C0-4473-B07E-748E171E3A71}" srcOrd="2" destOrd="0" parTransId="{A4570FD8-7B66-4BDE-BC93-436EF83D35E7}" sibTransId="{CE8C2E77-3B22-4368-BAC9-D12E207C09D1}"/>
+    <dgm:cxn modelId="{5734E165-03D3-430D-A40C-119FBBBE1E3B}" type="presOf" srcId="{ED896E93-5140-4ED2-A12B-82C924CE9A03}" destId="{ECFB5ABC-657E-4FE6-8C26-D550F88A34D0}" srcOrd="0" destOrd="0" presId="urn:microsoft.com/office/officeart/2005/8/layout/hList3"/>
+    <dgm:cxn modelId="{2B4E0EF0-D8CE-4ED0-BC30-967FC3BADAEA}" srcId="{C479ED2C-B91E-4815-9F48-5E6AE7D2FACB}" destId="{ED896E93-5140-4ED2-A12B-82C924CE9A03}" srcOrd="2" destOrd="0" parTransId="{FED47296-7B08-4F57-AA5B-7FC4E5535E9C}" sibTransId="{C7E1D8F2-1917-4A11-9601-E3F6562C76EE}"/>
+    <dgm:cxn modelId="{AF775110-14D3-4B53-9618-B1E5093A75EC}" type="presOf" srcId="{C479ED2C-B91E-4815-9F48-5E6AE7D2FACB}" destId="{A3C02618-A356-454C-963B-DA65CD93FE16}" srcOrd="0" destOrd="0" presId="urn:microsoft.com/office/officeart/2005/8/layout/hList3"/>
+    <dgm:cxn modelId="{82BA9DAC-694F-4815-8112-A27A9A51DE78}" type="presOf" srcId="{1059AD2A-A92B-4A82-B2A4-50EEB5D89CA0}" destId="{10DAD0EF-159F-42AA-843B-9D06A6E8ACAF}" srcOrd="0" destOrd="0" presId="urn:microsoft.com/office/officeart/2005/8/layout/hList3"/>
+    <dgm:cxn modelId="{EFA14DE2-5651-4679-BF08-AF13456A3FF8}" srcId="{C0F21927-518A-4086-9175-73050EB277C8}" destId="{7790398A-CB0E-4C10-8392-93D2909EBD96}" srcOrd="1" destOrd="0" parTransId="{991D1F7D-D0B5-4D18-9997-1D9B95A6903D}" sibTransId="{BBF08175-AC4E-412F-928A-12BB30912C64}"/>
+    <dgm:cxn modelId="{401279F1-05D0-465B-BDB7-0E09638DA7E3}" srcId="{C0F21927-518A-4086-9175-73050EB277C8}" destId="{334CE0F7-F596-4160-8B62-B61AFB53176E}" srcOrd="4" destOrd="0" parTransId="{27FA91F3-DCB7-41D6-AFDA-73F3B6632271}" sibTransId="{A8FDE59D-685E-4773-B672-2E07E00BFE6C}"/>
+    <dgm:cxn modelId="{D5E7B9A3-3244-40D5-A841-A02E1CD121CB}" srcId="{C479ED2C-B91E-4815-9F48-5E6AE7D2FACB}" destId="{6DD44939-5A97-4391-8EA0-0691B8166634}" srcOrd="1" destOrd="0" parTransId="{9F613478-BC38-4049-AA80-3DD6FD4F226E}" sibTransId="{10C4D878-15AF-404F-A365-72C28E12B230}"/>
+    <dgm:cxn modelId="{84A6BFFB-9C7F-461D-92C6-187E802F1EFE}" type="presOf" srcId="{EFF79703-EF3D-4BA3-AF5B-34DAE483C100}" destId="{D5A4B8BF-687B-46D5-81EB-CECED95F511F}" srcOrd="0" destOrd="0" presId="urn:microsoft.com/office/officeart/2005/8/layout/hList3"/>
+    <dgm:cxn modelId="{611410B9-2750-457F-9087-D76A2FD98B7D}" srcId="{C479ED2C-B91E-4815-9F48-5E6AE7D2FACB}" destId="{1059AD2A-A92B-4A82-B2A4-50EEB5D89CA0}" srcOrd="0" destOrd="0" parTransId="{12BF1236-4F01-4E38-89AA-9DAD55BAAEBB}" sibTransId="{F26C68C5-E433-4634-94C4-75B8688964E7}"/>
+    <dgm:cxn modelId="{4E314057-DEFE-4B60-A495-5F67390FB748}" srcId="{C0F21927-518A-4086-9175-73050EB277C8}" destId="{87956348-274B-4833-8112-38A1D0D31B27}" srcOrd="3" destOrd="0" parTransId="{52C0DB4F-9FD9-4C67-B113-A262A8F98047}" sibTransId="{A2EB4F59-A560-4790-8B2E-36BF41C61090}"/>
+    <dgm:cxn modelId="{B8ABC7A3-CA92-4949-974B-B4D43AD739B9}" srcId="{C479ED2C-B91E-4815-9F48-5E6AE7D2FACB}" destId="{EFF79703-EF3D-4BA3-AF5B-34DAE483C100}" srcOrd="3" destOrd="0" parTransId="{DE7ED1BD-EB8E-4E52-B6A3-DC43AC0EC1E5}" sibTransId="{8D15BE2A-6219-4CB7-98C8-D2DB87D1F7CD}"/>
+    <dgm:cxn modelId="{FDD19495-5311-41DC-A9C5-25794D68041A}" type="presParOf" srcId="{CB5716B2-871C-494E-949E-0E738634B4E2}" destId="{A3C02618-A356-454C-963B-DA65CD93FE16}" srcOrd="0" destOrd="0" presId="urn:microsoft.com/office/officeart/2005/8/layout/hList3"/>
+    <dgm:cxn modelId="{64BFD2EE-93D4-4BFA-9DE1-77A555945CE5}" type="presParOf" srcId="{CB5716B2-871C-494E-949E-0E738634B4E2}" destId="{B7F2CD7C-2617-4D29-8E11-4BC75A821867}" srcOrd="1" destOrd="0" presId="urn:microsoft.com/office/officeart/2005/8/layout/hList3"/>
+    <dgm:cxn modelId="{D33F9063-6DEE-4CE7-8FFC-26DA3BFCB2ED}" type="presParOf" srcId="{B7F2CD7C-2617-4D29-8E11-4BC75A821867}" destId="{10DAD0EF-159F-42AA-843B-9D06A6E8ACAF}" srcOrd="0" destOrd="0" presId="urn:microsoft.com/office/officeart/2005/8/layout/hList3"/>
+    <dgm:cxn modelId="{F642EDD5-521E-4625-898D-9B5B4EF98E34}" type="presParOf" srcId="{B7F2CD7C-2617-4D29-8E11-4BC75A821867}" destId="{E800B9B0-8C2B-4A3B-B7E9-EF54422A6596}" srcOrd="1" destOrd="0" presId="urn:microsoft.com/office/officeart/2005/8/layout/hList3"/>
+    <dgm:cxn modelId="{2AD976A0-6432-46FE-B1D5-2FBBD0B91A61}" type="presParOf" srcId="{B7F2CD7C-2617-4D29-8E11-4BC75A821867}" destId="{ECFB5ABC-657E-4FE6-8C26-D550F88A34D0}" srcOrd="2" destOrd="0" presId="urn:microsoft.com/office/officeart/2005/8/layout/hList3"/>
+    <dgm:cxn modelId="{AF89633B-E913-4BDB-BC58-7E08F4753A6D}" type="presParOf" srcId="{B7F2CD7C-2617-4D29-8E11-4BC75A821867}" destId="{D5A4B8BF-687B-46D5-81EB-CECED95F511F}" srcOrd="3" destOrd="0" presId="urn:microsoft.com/office/officeart/2005/8/layout/hList3"/>
+    <dgm:cxn modelId="{B17FB9E0-1641-4BD1-B398-0104AB7B7D1B}" type="presParOf" srcId="{CB5716B2-871C-494E-949E-0E738634B4E2}" destId="{67E4BE28-6D5C-4D39-B3BC-4F4DBA6EB217}" srcOrd="2" destOrd="0" presId="urn:microsoft.com/office/officeart/2005/8/layout/hList3"/>
+  </dgm:cxnLst>
+  <dgm:bg/>
+  <dgm:whole/>
 </dgm:dataModel>
 </file>
 
@@ -2345,7 +3800,1234 @@
 </dgm:layoutDef>
 </file>
 
+<file path=ppt/diagrams/layout2.xml><?xml version="1.0" encoding="utf-8"?>
+<dgm:layoutDef xmlns:dgm="http://schemas.openxmlformats.org/drawingml/2006/diagram" xmlns:a="http://schemas.openxmlformats.org/drawingml/2006/main" uniqueId="urn:microsoft.com/office/officeart/2005/8/layout/hList3">
+  <dgm:title val=""/>
+  <dgm:desc val=""/>
+  <dgm:catLst>
+    <dgm:cat type="list" pri="19000"/>
+  </dgm:catLst>
+  <dgm:sampData>
+    <dgm:dataModel>
+      <dgm:ptLst>
+        <dgm:pt modelId="0" type="doc"/>
+        <dgm:pt modelId="1">
+          <dgm:prSet phldr="1"/>
+        </dgm:pt>
+        <dgm:pt modelId="2">
+          <dgm:prSet phldr="1"/>
+        </dgm:pt>
+        <dgm:pt modelId="3">
+          <dgm:prSet phldr="1"/>
+        </dgm:pt>
+        <dgm:pt modelId="4">
+          <dgm:prSet phldr="1"/>
+        </dgm:pt>
+      </dgm:ptLst>
+      <dgm:cxnLst>
+        <dgm:cxn modelId="5" srcId="0" destId="1" srcOrd="0" destOrd="0"/>
+        <dgm:cxn modelId="6" srcId="1" destId="2" srcOrd="0" destOrd="0"/>
+        <dgm:cxn modelId="7" srcId="1" destId="3" srcOrd="1" destOrd="0"/>
+        <dgm:cxn modelId="8" srcId="1" destId="4" srcOrd="2" destOrd="0"/>
+      </dgm:cxnLst>
+      <dgm:bg/>
+      <dgm:whole/>
+    </dgm:dataModel>
+  </dgm:sampData>
+  <dgm:styleData>
+    <dgm:dataModel>
+      <dgm:ptLst>
+        <dgm:pt modelId="0" type="doc"/>
+        <dgm:pt modelId="1"/>
+        <dgm:pt modelId="2"/>
+        <dgm:pt modelId="3"/>
+      </dgm:ptLst>
+      <dgm:cxnLst>
+        <dgm:cxn modelId="5" srcId="0" destId="1" srcOrd="0" destOrd="0"/>
+        <dgm:cxn modelId="6" srcId="1" destId="2" srcOrd="0" destOrd="0"/>
+        <dgm:cxn modelId="7" srcId="1" destId="3" srcOrd="1" destOrd="0"/>
+      </dgm:cxnLst>
+      <dgm:bg/>
+      <dgm:whole/>
+    </dgm:dataModel>
+  </dgm:styleData>
+  <dgm:clrData>
+    <dgm:dataModel>
+      <dgm:ptLst>
+        <dgm:pt modelId="0" type="doc"/>
+        <dgm:pt modelId="1"/>
+        <dgm:pt modelId="2"/>
+        <dgm:pt modelId="3"/>
+        <dgm:pt modelId="4"/>
+        <dgm:pt modelId="5"/>
+      </dgm:ptLst>
+      <dgm:cxnLst>
+        <dgm:cxn modelId="6" srcId="0" destId="1" srcOrd="0" destOrd="0"/>
+        <dgm:cxn modelId="7" srcId="1" destId="2" srcOrd="0" destOrd="0"/>
+        <dgm:cxn modelId="8" srcId="1" destId="3" srcOrd="1" destOrd="0"/>
+        <dgm:cxn modelId="9" srcId="1" destId="4" srcOrd="2" destOrd="0"/>
+        <dgm:cxn modelId="10" srcId="1" destId="5" srcOrd="3" destOrd="0"/>
+      </dgm:cxnLst>
+      <dgm:bg/>
+      <dgm:whole/>
+    </dgm:dataModel>
+  </dgm:clrData>
+  <dgm:layoutNode name="composite">
+    <dgm:varLst>
+      <dgm:chMax val="1"/>
+      <dgm:dir/>
+      <dgm:resizeHandles val="exact"/>
+    </dgm:varLst>
+    <dgm:alg type="composite"/>
+    <dgm:shape xmlns:r="http://schemas.openxmlformats.org/officeDocument/2006/relationships" r:blip="">
+      <dgm:adjLst/>
+    </dgm:shape>
+    <dgm:presOf/>
+    <dgm:constrLst>
+      <dgm:constr type="w" for="ch" forName="roof" refType="w"/>
+      <dgm:constr type="h" for="ch" forName="roof" refType="h" fact="0.3"/>
+      <dgm:constr type="primFontSz" for="ch" forName="roof" val="65"/>
+      <dgm:constr type="w" for="ch" forName="pillars" refType="w"/>
+      <dgm:constr type="h" for="ch" forName="pillars" refType="h" fact="0.63"/>
+      <dgm:constr type="t" for="ch" forName="pillars" refType="h" fact="0.3"/>
+      <dgm:constr type="primFontSz" for="des" forName="pillar1" val="65"/>
+      <dgm:constr type="primFontSz" for="des" forName="pillarX" refType="primFontSz" refFor="des" refForName="pillar1" op="equ"/>
+      <dgm:constr type="w" for="ch" forName="base" refType="w"/>
+      <dgm:constr type="h" for="ch" forName="base" refType="h" fact="0.07"/>
+      <dgm:constr type="t" for="ch" forName="base" refType="h" fact="0.93"/>
+    </dgm:constrLst>
+    <dgm:ruleLst/>
+    <dgm:forEach name="Name0" axis="ch" ptType="node" cnt="1">
+      <dgm:layoutNode name="roof" styleLbl="dkBgShp">
+        <dgm:alg type="tx"/>
+        <dgm:shape xmlns:r="http://schemas.openxmlformats.org/officeDocument/2006/relationships" type="rect" r:blip="">
+          <dgm:adjLst/>
+        </dgm:shape>
+        <dgm:presOf axis="self"/>
+        <dgm:constrLst>
+          <dgm:constr type="lMarg" refType="primFontSz" fact="0.3"/>
+          <dgm:constr type="rMarg" refType="primFontSz" fact="0.3"/>
+          <dgm:constr type="tMarg" refType="primFontSz" fact="0.3"/>
+          <dgm:constr type="bMarg" refType="primFontSz" fact="0.3"/>
+        </dgm:constrLst>
+        <dgm:ruleLst>
+          <dgm:rule type="primFontSz" val="5" fact="NaN" max="NaN"/>
+        </dgm:ruleLst>
+      </dgm:layoutNode>
+      <dgm:layoutNode name="pillars" styleLbl="node1">
+        <dgm:choose name="Name1">
+          <dgm:if name="Name2" func="var" arg="dir" op="equ" val="norm">
+            <dgm:alg type="lin">
+              <dgm:param type="linDir" val="fromL"/>
+            </dgm:alg>
+          </dgm:if>
+          <dgm:else name="Name3">
+            <dgm:alg type="lin">
+              <dgm:param type="linDir" val="fromR"/>
+            </dgm:alg>
+          </dgm:else>
+        </dgm:choose>
+        <dgm:shape xmlns:r="http://schemas.openxmlformats.org/officeDocument/2006/relationships" r:blip="">
+          <dgm:adjLst/>
+        </dgm:shape>
+        <dgm:presOf/>
+        <dgm:constrLst>
+          <dgm:constr type="w" for="ch" forName="pillar1" refType="w"/>
+          <dgm:constr type="h" for="ch" forName="pillar1" refType="h"/>
+          <dgm:constr type="w" for="ch" forName="pillarX" refType="w"/>
+          <dgm:constr type="h" for="ch" forName="pillarX" refType="h"/>
+        </dgm:constrLst>
+        <dgm:ruleLst/>
+        <dgm:layoutNode name="pillar1" styleLbl="node1">
+          <dgm:varLst>
+            <dgm:bulletEnabled val="1"/>
+          </dgm:varLst>
+          <dgm:alg type="tx"/>
+          <dgm:shape xmlns:r="http://schemas.openxmlformats.org/officeDocument/2006/relationships" type="rect" r:blip="">
+            <dgm:adjLst/>
+          </dgm:shape>
+          <dgm:presOf axis="ch desOrSelf" ptType="node node" st="1 1" cnt="1 0"/>
+          <dgm:constrLst>
+            <dgm:constr type="lMarg" refType="primFontSz" fact="0.3"/>
+            <dgm:constr type="rMarg" refType="primFontSz" fact="0.3"/>
+            <dgm:constr type="tMarg" refType="primFontSz" fact="0.3"/>
+            <dgm:constr type="bMarg" refType="primFontSz" fact="0.3"/>
+          </dgm:constrLst>
+          <dgm:ruleLst>
+            <dgm:rule type="primFontSz" val="5" fact="NaN" max="NaN"/>
+          </dgm:ruleLst>
+        </dgm:layoutNode>
+        <dgm:forEach name="Name4" axis="ch" ptType="node" st="2">
+          <dgm:layoutNode name="pillarX" styleLbl="node1">
+            <dgm:varLst>
+              <dgm:bulletEnabled val="1"/>
+            </dgm:varLst>
+            <dgm:alg type="tx"/>
+            <dgm:shape xmlns:r="http://schemas.openxmlformats.org/officeDocument/2006/relationships" type="rect" r:blip="">
+              <dgm:adjLst/>
+            </dgm:shape>
+            <dgm:presOf axis="desOrSelf" ptType="node"/>
+            <dgm:constrLst>
+              <dgm:constr type="lMarg" refType="primFontSz" fact="0.3"/>
+              <dgm:constr type="rMarg" refType="primFontSz" fact="0.3"/>
+              <dgm:constr type="tMarg" refType="primFontSz" fact="0.3"/>
+              <dgm:constr type="bMarg" refType="primFontSz" fact="0.3"/>
+            </dgm:constrLst>
+            <dgm:ruleLst>
+              <dgm:rule type="primFontSz" val="5" fact="NaN" max="NaN"/>
+            </dgm:ruleLst>
+          </dgm:layoutNode>
+        </dgm:forEach>
+      </dgm:layoutNode>
+      <dgm:layoutNode name="base" styleLbl="dkBgShp">
+        <dgm:alg type="sp"/>
+        <dgm:shape xmlns:r="http://schemas.openxmlformats.org/officeDocument/2006/relationships" type="rect" r:blip="">
+          <dgm:adjLst/>
+        </dgm:shape>
+        <dgm:presOf/>
+        <dgm:constrLst/>
+        <dgm:ruleLst/>
+      </dgm:layoutNode>
+    </dgm:forEach>
+  </dgm:layoutNode>
+</dgm:layoutDef>
+</file>
+
 <file path=ppt/diagrams/quickStyle1.xml><?xml version="1.0" encoding="utf-8"?>
+<dgm:styleDef xmlns:dgm="http://schemas.openxmlformats.org/drawingml/2006/diagram" xmlns:a="http://schemas.openxmlformats.org/drawingml/2006/main" uniqueId="urn:microsoft.com/office/officeart/2005/8/quickstyle/simple5">
+  <dgm:title val=""/>
+  <dgm:desc val=""/>
+  <dgm:catLst>
+    <dgm:cat type="simple" pri="10500"/>
+  </dgm:catLst>
+  <dgm:scene3d>
+    <a:camera prst="orthographicFront"/>
+    <a:lightRig rig="threePt" dir="t"/>
+  </dgm:scene3d>
+  <dgm:styleLbl name="node0">
+    <dgm:scene3d>
+      <a:camera prst="orthographicFront"/>
+      <a:lightRig rig="threePt" dir="t"/>
+    </dgm:scene3d>
+    <dgm:sp3d/>
+    <dgm:txPr/>
+    <dgm:style>
+      <a:lnRef idx="0">
+        <a:scrgbClr r="0" g="0" b="0"/>
+      </a:lnRef>
+      <a:fillRef idx="3">
+        <a:scrgbClr r="0" g="0" b="0"/>
+      </a:fillRef>
+      <a:effectRef idx="3">
+        <a:scrgbClr r="0" g="0" b="0"/>
+      </a:effectRef>
+      <a:fontRef idx="minor">
+        <a:schemeClr val="lt1"/>
+      </a:fontRef>
+    </dgm:style>
+  </dgm:styleLbl>
+  <dgm:styleLbl name="lnNode1">
+    <dgm:scene3d>
+      <a:camera prst="orthographicFront"/>
+      <a:lightRig rig="threePt" dir="t"/>
+    </dgm:scene3d>
+    <dgm:sp3d/>
+    <dgm:txPr/>
+    <dgm:style>
+      <a:lnRef idx="0">
+        <a:scrgbClr r="0" g="0" b="0"/>
+      </a:lnRef>
+      <a:fillRef idx="3">
+        <a:scrgbClr r="0" g="0" b="0"/>
+      </a:fillRef>
+      <a:effectRef idx="3">
+        <a:scrgbClr r="0" g="0" b="0"/>
+      </a:effectRef>
+      <a:fontRef idx="minor">
+        <a:schemeClr val="lt1"/>
+      </a:fontRef>
+    </dgm:style>
+  </dgm:styleLbl>
+  <dgm:styleLbl name="vennNode1">
+    <dgm:scene3d>
+      <a:camera prst="orthographicFront"/>
+      <a:lightRig rig="threePt" dir="t"/>
+    </dgm:scene3d>
+    <dgm:sp3d/>
+    <dgm:txPr/>
+    <dgm:style>
+      <a:lnRef idx="0">
+        <a:scrgbClr r="0" g="0" b="0"/>
+      </a:lnRef>
+      <a:fillRef idx="3">
+        <a:scrgbClr r="0" g="0" b="0"/>
+      </a:fillRef>
+      <a:effectRef idx="3">
+        <a:scrgbClr r="0" g="0" b="0"/>
+      </a:effectRef>
+      <a:fontRef idx="minor">
+        <a:schemeClr val="tx1"/>
+      </a:fontRef>
+    </dgm:style>
+  </dgm:styleLbl>
+  <dgm:styleLbl name="alignNode1">
+    <dgm:scene3d>
+      <a:camera prst="orthographicFront"/>
+      <a:lightRig rig="threePt" dir="t"/>
+    </dgm:scene3d>
+    <dgm:sp3d/>
+    <dgm:txPr/>
+    <dgm:style>
+      <a:lnRef idx="1">
+        <a:scrgbClr r="0" g="0" b="0"/>
+      </a:lnRef>
+      <a:fillRef idx="3">
+        <a:scrgbClr r="0" g="0" b="0"/>
+      </a:fillRef>
+      <a:effectRef idx="3">
+        <a:scrgbClr r="0" g="0" b="0"/>
+      </a:effectRef>
+      <a:fontRef idx="minor">
+        <a:schemeClr val="lt1"/>
+      </a:fontRef>
+    </dgm:style>
+  </dgm:styleLbl>
+  <dgm:styleLbl name="node1">
+    <dgm:scene3d>
+      <a:camera prst="orthographicFront"/>
+      <a:lightRig rig="threePt" dir="t"/>
+    </dgm:scene3d>
+    <dgm:sp3d/>
+    <dgm:txPr/>
+    <dgm:style>
+      <a:lnRef idx="0">
+        <a:scrgbClr r="0" g="0" b="0"/>
+      </a:lnRef>
+      <a:fillRef idx="3">
+        <a:scrgbClr r="0" g="0" b="0"/>
+      </a:fillRef>
+      <a:effectRef idx="3">
+        <a:scrgbClr r="0" g="0" b="0"/>
+      </a:effectRef>
+      <a:fontRef idx="minor">
+        <a:schemeClr val="lt1"/>
+      </a:fontRef>
+    </dgm:style>
+  </dgm:styleLbl>
+  <dgm:styleLbl name="node2">
+    <dgm:scene3d>
+      <a:camera prst="orthographicFront"/>
+      <a:lightRig rig="threePt" dir="t"/>
+    </dgm:scene3d>
+    <dgm:sp3d/>
+    <dgm:txPr/>
+    <dgm:style>
+      <a:lnRef idx="0">
+        <a:scrgbClr r="0" g="0" b="0"/>
+      </a:lnRef>
+      <a:fillRef idx="3">
+        <a:scrgbClr r="0" g="0" b="0"/>
+      </a:fillRef>
+      <a:effectRef idx="3">
+        <a:scrgbClr r="0" g="0" b="0"/>
+      </a:effectRef>
+      <a:fontRef idx="minor">
+        <a:schemeClr val="lt1"/>
+      </a:fontRef>
+    </dgm:style>
+  </dgm:styleLbl>
+  <dgm:styleLbl name="node3">
+    <dgm:scene3d>
+      <a:camera prst="orthographicFront"/>
+      <a:lightRig rig="threePt" dir="t"/>
+    </dgm:scene3d>
+    <dgm:sp3d/>
+    <dgm:txPr/>
+    <dgm:style>
+      <a:lnRef idx="0">
+        <a:scrgbClr r="0" g="0" b="0"/>
+      </a:lnRef>
+      <a:fillRef idx="3">
+        <a:scrgbClr r="0" g="0" b="0"/>
+      </a:fillRef>
+      <a:effectRef idx="3">
+        <a:scrgbClr r="0" g="0" b="0"/>
+      </a:effectRef>
+      <a:fontRef idx="minor">
+        <a:schemeClr val="lt1"/>
+      </a:fontRef>
+    </dgm:style>
+  </dgm:styleLbl>
+  <dgm:styleLbl name="node4">
+    <dgm:scene3d>
+      <a:camera prst="orthographicFront"/>
+      <a:lightRig rig="threePt" dir="t"/>
+    </dgm:scene3d>
+    <dgm:sp3d/>
+    <dgm:txPr/>
+    <dgm:style>
+      <a:lnRef idx="0">
+        <a:scrgbClr r="0" g="0" b="0"/>
+      </a:lnRef>
+      <a:fillRef idx="3">
+        <a:scrgbClr r="0" g="0" b="0"/>
+      </a:fillRef>
+      <a:effectRef idx="3">
+        <a:scrgbClr r="0" g="0" b="0"/>
+      </a:effectRef>
+      <a:fontRef idx="minor">
+        <a:schemeClr val="lt1"/>
+      </a:fontRef>
+    </dgm:style>
+  </dgm:styleLbl>
+  <dgm:styleLbl name="fgImgPlace1">
+    <dgm:scene3d>
+      <a:camera prst="orthographicFront"/>
+      <a:lightRig rig="threePt" dir="t"/>
+    </dgm:scene3d>
+    <dgm:sp3d/>
+    <dgm:txPr/>
+    <dgm:style>
+      <a:lnRef idx="0">
+        <a:scrgbClr r="0" g="0" b="0"/>
+      </a:lnRef>
+      <a:fillRef idx="1">
+        <a:scrgbClr r="0" g="0" b="0"/>
+      </a:fillRef>
+      <a:effectRef idx="3">
+        <a:scrgbClr r="0" g="0" b="0"/>
+      </a:effectRef>
+      <a:fontRef idx="minor"/>
+    </dgm:style>
+  </dgm:styleLbl>
+  <dgm:styleLbl name="alignImgPlace1">
+    <dgm:scene3d>
+      <a:camera prst="orthographicFront"/>
+      <a:lightRig rig="threePt" dir="t"/>
+    </dgm:scene3d>
+    <dgm:sp3d/>
+    <dgm:txPr/>
+    <dgm:style>
+      <a:lnRef idx="0">
+        <a:scrgbClr r="0" g="0" b="0"/>
+      </a:lnRef>
+      <a:fillRef idx="1">
+        <a:scrgbClr r="0" g="0" b="0"/>
+      </a:fillRef>
+      <a:effectRef idx="3">
+        <a:scrgbClr r="0" g="0" b="0"/>
+      </a:effectRef>
+      <a:fontRef idx="minor"/>
+    </dgm:style>
+  </dgm:styleLbl>
+  <dgm:styleLbl name="bgImgPlace1">
+    <dgm:scene3d>
+      <a:camera prst="orthographicFront"/>
+      <a:lightRig rig="threePt" dir="t"/>
+    </dgm:scene3d>
+    <dgm:sp3d/>
+    <dgm:txPr/>
+    <dgm:style>
+      <a:lnRef idx="0">
+        <a:scrgbClr r="0" g="0" b="0"/>
+      </a:lnRef>
+      <a:fillRef idx="1">
+        <a:scrgbClr r="0" g="0" b="0"/>
+      </a:fillRef>
+      <a:effectRef idx="3">
+        <a:scrgbClr r="0" g="0" b="0"/>
+      </a:effectRef>
+      <a:fontRef idx="minor"/>
+    </dgm:style>
+  </dgm:styleLbl>
+  <dgm:styleLbl name="sibTrans2D1">
+    <dgm:scene3d>
+      <a:camera prst="orthographicFront"/>
+      <a:lightRig rig="threePt" dir="t"/>
+    </dgm:scene3d>
+    <dgm:sp3d/>
+    <dgm:txPr/>
+    <dgm:style>
+      <a:lnRef idx="0">
+        <a:scrgbClr r="0" g="0" b="0"/>
+      </a:lnRef>
+      <a:fillRef idx="3">
+        <a:scrgbClr r="0" g="0" b="0"/>
+      </a:fillRef>
+      <a:effectRef idx="3">
+        <a:scrgbClr r="0" g="0" b="0"/>
+      </a:effectRef>
+      <a:fontRef idx="minor">
+        <a:schemeClr val="lt1"/>
+      </a:fontRef>
+    </dgm:style>
+  </dgm:styleLbl>
+  <dgm:styleLbl name="fgSibTrans2D1">
+    <dgm:scene3d>
+      <a:camera prst="orthographicFront"/>
+      <a:lightRig rig="threePt" dir="t"/>
+    </dgm:scene3d>
+    <dgm:sp3d/>
+    <dgm:txPr/>
+    <dgm:style>
+      <a:lnRef idx="0">
+        <a:scrgbClr r="0" g="0" b="0"/>
+      </a:lnRef>
+      <a:fillRef idx="3">
+        <a:scrgbClr r="0" g="0" b="0"/>
+      </a:fillRef>
+      <a:effectRef idx="3">
+        <a:scrgbClr r="0" g="0" b="0"/>
+      </a:effectRef>
+      <a:fontRef idx="minor">
+        <a:schemeClr val="lt1"/>
+      </a:fontRef>
+    </dgm:style>
+  </dgm:styleLbl>
+  <dgm:styleLbl name="bgSibTrans2D1">
+    <dgm:scene3d>
+      <a:camera prst="orthographicFront"/>
+      <a:lightRig rig="threePt" dir="t"/>
+    </dgm:scene3d>
+    <dgm:sp3d/>
+    <dgm:txPr/>
+    <dgm:style>
+      <a:lnRef idx="0">
+        <a:scrgbClr r="0" g="0" b="0"/>
+      </a:lnRef>
+      <a:fillRef idx="3">
+        <a:scrgbClr r="0" g="0" b="0"/>
+      </a:fillRef>
+      <a:effectRef idx="3">
+        <a:scrgbClr r="0" g="0" b="0"/>
+      </a:effectRef>
+      <a:fontRef idx="minor">
+        <a:schemeClr val="lt1"/>
+      </a:fontRef>
+    </dgm:style>
+  </dgm:styleLbl>
+  <dgm:styleLbl name="sibTrans1D1">
+    <dgm:scene3d>
+      <a:camera prst="orthographicFront"/>
+      <a:lightRig rig="threePt" dir="t"/>
+    </dgm:scene3d>
+    <dgm:sp3d/>
+    <dgm:txPr/>
+    <dgm:style>
+      <a:lnRef idx="1">
+        <a:scrgbClr r="0" g="0" b="0"/>
+      </a:lnRef>
+      <a:fillRef idx="0">
+        <a:scrgbClr r="0" g="0" b="0"/>
+      </a:fillRef>
+      <a:effectRef idx="0">
+        <a:scrgbClr r="0" g="0" b="0"/>
+      </a:effectRef>
+      <a:fontRef idx="minor"/>
+    </dgm:style>
+  </dgm:styleLbl>
+  <dgm:styleLbl name="callout">
+    <dgm:scene3d>
+      <a:camera prst="orthographicFront"/>
+      <a:lightRig rig="threePt" dir="t"/>
+    </dgm:scene3d>
+    <dgm:sp3d/>
+    <dgm:txPr/>
+    <dgm:style>
+      <a:lnRef idx="1">
+        <a:scrgbClr r="0" g="0" b="0"/>
+      </a:lnRef>
+      <a:fillRef idx="0">
+        <a:scrgbClr r="0" g="0" b="0"/>
+      </a:fillRef>
+      <a:effectRef idx="1">
+        <a:scrgbClr r="0" g="0" b="0"/>
+      </a:effectRef>
+      <a:fontRef idx="minor"/>
+    </dgm:style>
+  </dgm:styleLbl>
+  <dgm:styleLbl name="asst0">
+    <dgm:scene3d>
+      <a:camera prst="orthographicFront"/>
+      <a:lightRig rig="threePt" dir="t"/>
+    </dgm:scene3d>
+    <dgm:sp3d/>
+    <dgm:txPr/>
+    <dgm:style>
+      <a:lnRef idx="0">
+        <a:scrgbClr r="0" g="0" b="0"/>
+      </a:lnRef>
+      <a:fillRef idx="3">
+        <a:scrgbClr r="0" g="0" b="0"/>
+      </a:fillRef>
+      <a:effectRef idx="3">
+        <a:scrgbClr r="0" g="0" b="0"/>
+      </a:effectRef>
+      <a:fontRef idx="minor">
+        <a:schemeClr val="lt1"/>
+      </a:fontRef>
+    </dgm:style>
+  </dgm:styleLbl>
+  <dgm:styleLbl name="asst1">
+    <dgm:scene3d>
+      <a:camera prst="orthographicFront"/>
+      <a:lightRig rig="threePt" dir="t"/>
+    </dgm:scene3d>
+    <dgm:sp3d/>
+    <dgm:txPr/>
+    <dgm:style>
+      <a:lnRef idx="0">
+        <a:scrgbClr r="0" g="0" b="0"/>
+      </a:lnRef>
+      <a:fillRef idx="3">
+        <a:scrgbClr r="0" g="0" b="0"/>
+      </a:fillRef>
+      <a:effectRef idx="3">
+        <a:scrgbClr r="0" g="0" b="0"/>
+      </a:effectRef>
+      <a:fontRef idx="minor">
+        <a:schemeClr val="lt1"/>
+      </a:fontRef>
+    </dgm:style>
+  </dgm:styleLbl>
+  <dgm:styleLbl name="asst2">
+    <dgm:scene3d>
+      <a:camera prst="orthographicFront"/>
+      <a:lightRig rig="threePt" dir="t"/>
+    </dgm:scene3d>
+    <dgm:sp3d/>
+    <dgm:txPr/>
+    <dgm:style>
+      <a:lnRef idx="0">
+        <a:scrgbClr r="0" g="0" b="0"/>
+      </a:lnRef>
+      <a:fillRef idx="3">
+        <a:scrgbClr r="0" g="0" b="0"/>
+      </a:fillRef>
+      <a:effectRef idx="3">
+        <a:scrgbClr r="0" g="0" b="0"/>
+      </a:effectRef>
+      <a:fontRef idx="minor">
+        <a:schemeClr val="lt1"/>
+      </a:fontRef>
+    </dgm:style>
+  </dgm:styleLbl>
+  <dgm:styleLbl name="asst3">
+    <dgm:scene3d>
+      <a:camera prst="orthographicFront"/>
+      <a:lightRig rig="threePt" dir="t"/>
+    </dgm:scene3d>
+    <dgm:sp3d/>
+    <dgm:txPr/>
+    <dgm:style>
+      <a:lnRef idx="0">
+        <a:scrgbClr r="0" g="0" b="0"/>
+      </a:lnRef>
+      <a:fillRef idx="3">
+        <a:scrgbClr r="0" g="0" b="0"/>
+      </a:fillRef>
+      <a:effectRef idx="3">
+        <a:scrgbClr r="0" g="0" b="0"/>
+      </a:effectRef>
+      <a:fontRef idx="minor">
+        <a:schemeClr val="lt1"/>
+      </a:fontRef>
+    </dgm:style>
+  </dgm:styleLbl>
+  <dgm:styleLbl name="asst4">
+    <dgm:scene3d>
+      <a:camera prst="orthographicFront"/>
+      <a:lightRig rig="threePt" dir="t"/>
+    </dgm:scene3d>
+    <dgm:sp3d/>
+    <dgm:txPr/>
+    <dgm:style>
+      <a:lnRef idx="0">
+        <a:scrgbClr r="0" g="0" b="0"/>
+      </a:lnRef>
+      <a:fillRef idx="3">
+        <a:scrgbClr r="0" g="0" b="0"/>
+      </a:fillRef>
+      <a:effectRef idx="3">
+        <a:scrgbClr r="0" g="0" b="0"/>
+      </a:effectRef>
+      <a:fontRef idx="minor">
+        <a:schemeClr val="lt1"/>
+      </a:fontRef>
+    </dgm:style>
+  </dgm:styleLbl>
+  <dgm:styleLbl name="parChTrans2D1">
+    <dgm:scene3d>
+      <a:camera prst="orthographicFront"/>
+      <a:lightRig rig="threePt" dir="t"/>
+    </dgm:scene3d>
+    <dgm:sp3d/>
+    <dgm:txPr/>
+    <dgm:style>
+      <a:lnRef idx="0">
+        <a:scrgbClr r="0" g="0" b="0"/>
+      </a:lnRef>
+      <a:fillRef idx="3">
+        <a:scrgbClr r="0" g="0" b="0"/>
+      </a:fillRef>
+      <a:effectRef idx="3">
+        <a:scrgbClr r="0" g="0" b="0"/>
+      </a:effectRef>
+      <a:fontRef idx="minor">
+        <a:schemeClr val="lt1"/>
+      </a:fontRef>
+    </dgm:style>
+  </dgm:styleLbl>
+  <dgm:styleLbl name="parChTrans2D2">
+    <dgm:scene3d>
+      <a:camera prst="orthographicFront"/>
+      <a:lightRig rig="threePt" dir="t"/>
+    </dgm:scene3d>
+    <dgm:sp3d/>
+    <dgm:txPr/>
+    <dgm:style>
+      <a:lnRef idx="0">
+        <a:scrgbClr r="0" g="0" b="0"/>
+      </a:lnRef>
+      <a:fillRef idx="3">
+        <a:scrgbClr r="0" g="0" b="0"/>
+      </a:fillRef>
+      <a:effectRef idx="3">
+        <a:scrgbClr r="0" g="0" b="0"/>
+      </a:effectRef>
+      <a:fontRef idx="minor">
+        <a:schemeClr val="lt1"/>
+      </a:fontRef>
+    </dgm:style>
+  </dgm:styleLbl>
+  <dgm:styleLbl name="parChTrans2D3">
+    <dgm:scene3d>
+      <a:camera prst="orthographicFront"/>
+      <a:lightRig rig="threePt" dir="t"/>
+    </dgm:scene3d>
+    <dgm:sp3d/>
+    <dgm:txPr/>
+    <dgm:style>
+      <a:lnRef idx="0">
+        <a:scrgbClr r="0" g="0" b="0"/>
+      </a:lnRef>
+      <a:fillRef idx="3">
+        <a:scrgbClr r="0" g="0" b="0"/>
+      </a:fillRef>
+      <a:effectRef idx="3">
+        <a:scrgbClr r="0" g="0" b="0"/>
+      </a:effectRef>
+      <a:fontRef idx="minor">
+        <a:schemeClr val="lt1"/>
+      </a:fontRef>
+    </dgm:style>
+  </dgm:styleLbl>
+  <dgm:styleLbl name="parChTrans2D4">
+    <dgm:scene3d>
+      <a:camera prst="orthographicFront"/>
+      <a:lightRig rig="threePt" dir="t"/>
+    </dgm:scene3d>
+    <dgm:sp3d/>
+    <dgm:txPr/>
+    <dgm:style>
+      <a:lnRef idx="0">
+        <a:scrgbClr r="0" g="0" b="0"/>
+      </a:lnRef>
+      <a:fillRef idx="3">
+        <a:scrgbClr r="0" g="0" b="0"/>
+      </a:fillRef>
+      <a:effectRef idx="3">
+        <a:scrgbClr r="0" g="0" b="0"/>
+      </a:effectRef>
+      <a:fontRef idx="minor">
+        <a:schemeClr val="lt1"/>
+      </a:fontRef>
+    </dgm:style>
+  </dgm:styleLbl>
+  <dgm:styleLbl name="parChTrans1D1">
+    <dgm:scene3d>
+      <a:camera prst="orthographicFront"/>
+      <a:lightRig rig="threePt" dir="t"/>
+    </dgm:scene3d>
+    <dgm:sp3d/>
+    <dgm:txPr/>
+    <dgm:style>
+      <a:lnRef idx="2">
+        <a:scrgbClr r="0" g="0" b="0"/>
+      </a:lnRef>
+      <a:fillRef idx="0">
+        <a:scrgbClr r="0" g="0" b="0"/>
+      </a:fillRef>
+      <a:effectRef idx="0">
+        <a:scrgbClr r="0" g="0" b="0"/>
+      </a:effectRef>
+      <a:fontRef idx="minor"/>
+    </dgm:style>
+  </dgm:styleLbl>
+  <dgm:styleLbl name="parChTrans1D2">
+    <dgm:scene3d>
+      <a:camera prst="orthographicFront"/>
+      <a:lightRig rig="threePt" dir="t"/>
+    </dgm:scene3d>
+    <dgm:sp3d/>
+    <dgm:txPr/>
+    <dgm:style>
+      <a:lnRef idx="2">
+        <a:scrgbClr r="0" g="0" b="0"/>
+      </a:lnRef>
+      <a:fillRef idx="0">
+        <a:scrgbClr r="0" g="0" b="0"/>
+      </a:fillRef>
+      <a:effectRef idx="0">
+        <a:scrgbClr r="0" g="0" b="0"/>
+      </a:effectRef>
+      <a:fontRef idx="minor"/>
+    </dgm:style>
+  </dgm:styleLbl>
+  <dgm:styleLbl name="parChTrans1D3">
+    <dgm:scene3d>
+      <a:camera prst="orthographicFront"/>
+      <a:lightRig rig="threePt" dir="t"/>
+    </dgm:scene3d>
+    <dgm:sp3d/>
+    <dgm:txPr/>
+    <dgm:style>
+      <a:lnRef idx="2">
+        <a:scrgbClr r="0" g="0" b="0"/>
+      </a:lnRef>
+      <a:fillRef idx="0">
+        <a:scrgbClr r="0" g="0" b="0"/>
+      </a:fillRef>
+      <a:effectRef idx="0">
+        <a:scrgbClr r="0" g="0" b="0"/>
+      </a:effectRef>
+      <a:fontRef idx="minor"/>
+    </dgm:style>
+  </dgm:styleLbl>
+  <dgm:styleLbl name="parChTrans1D4">
+    <dgm:scene3d>
+      <a:camera prst="orthographicFront"/>
+      <a:lightRig rig="threePt" dir="t"/>
+    </dgm:scene3d>
+    <dgm:sp3d/>
+    <dgm:txPr/>
+    <dgm:style>
+      <a:lnRef idx="2">
+        <a:scrgbClr r="0" g="0" b="0"/>
+      </a:lnRef>
+      <a:fillRef idx="0">
+        <a:scrgbClr r="0" g="0" b="0"/>
+      </a:fillRef>
+      <a:effectRef idx="0">
+        <a:scrgbClr r="0" g="0" b="0"/>
+      </a:effectRef>
+      <a:fontRef idx="minor"/>
+    </dgm:style>
+  </dgm:styleLbl>
+  <dgm:styleLbl name="fgAcc1">
+    <dgm:scene3d>
+      <a:camera prst="orthographicFront"/>
+      <a:lightRig rig="threePt" dir="t"/>
+    </dgm:scene3d>
+    <dgm:sp3d/>
+    <dgm:txPr/>
+    <dgm:style>
+      <a:lnRef idx="1">
+        <a:scrgbClr r="0" g="0" b="0"/>
+      </a:lnRef>
+      <a:fillRef idx="1">
+        <a:scrgbClr r="0" g="0" b="0"/>
+      </a:fillRef>
+      <a:effectRef idx="2">
+        <a:scrgbClr r="0" g="0" b="0"/>
+      </a:effectRef>
+      <a:fontRef idx="minor"/>
+    </dgm:style>
+  </dgm:styleLbl>
+  <dgm:styleLbl name="conFgAcc1">
+    <dgm:scene3d>
+      <a:camera prst="orthographicFront"/>
+      <a:lightRig rig="threePt" dir="t"/>
+    </dgm:scene3d>
+    <dgm:sp3d/>
+    <dgm:txPr/>
+    <dgm:style>
+      <a:lnRef idx="1">
+        <a:scrgbClr r="0" g="0" b="0"/>
+      </a:lnRef>
+      <a:fillRef idx="1">
+        <a:scrgbClr r="0" g="0" b="0"/>
+      </a:fillRef>
+      <a:effectRef idx="2">
+        <a:scrgbClr r="0" g="0" b="0"/>
+      </a:effectRef>
+      <a:fontRef idx="minor"/>
+    </dgm:style>
+  </dgm:styleLbl>
+  <dgm:styleLbl name="alignAcc1">
+    <dgm:scene3d>
+      <a:camera prst="orthographicFront"/>
+      <a:lightRig rig="threePt" dir="t"/>
+    </dgm:scene3d>
+    <dgm:sp3d/>
+    <dgm:txPr/>
+    <dgm:style>
+      <a:lnRef idx="1">
+        <a:scrgbClr r="0" g="0" b="0"/>
+      </a:lnRef>
+      <a:fillRef idx="1">
+        <a:scrgbClr r="0" g="0" b="0"/>
+      </a:fillRef>
+      <a:effectRef idx="2">
+        <a:scrgbClr r="0" g="0" b="0"/>
+      </a:effectRef>
+      <a:fontRef idx="minor"/>
+    </dgm:style>
+  </dgm:styleLbl>
+  <dgm:styleLbl name="trAlignAcc1">
+    <dgm:scene3d>
+      <a:camera prst="orthographicFront"/>
+      <a:lightRig rig="threePt" dir="t"/>
+    </dgm:scene3d>
+    <dgm:sp3d/>
+    <dgm:txPr/>
+    <dgm:style>
+      <a:lnRef idx="1">
+        <a:scrgbClr r="0" g="0" b="0"/>
+      </a:lnRef>
+      <a:fillRef idx="1">
+        <a:scrgbClr r="0" g="0" b="0"/>
+      </a:fillRef>
+      <a:effectRef idx="0">
+        <a:scrgbClr r="0" g="0" b="0"/>
+      </a:effectRef>
+      <a:fontRef idx="minor"/>
+    </dgm:style>
+  </dgm:styleLbl>
+  <dgm:styleLbl name="bgAcc1">
+    <dgm:scene3d>
+      <a:camera prst="orthographicFront"/>
+      <a:lightRig rig="threePt" dir="t"/>
+    </dgm:scene3d>
+    <dgm:sp3d/>
+    <dgm:txPr/>
+    <dgm:style>
+      <a:lnRef idx="1">
+        <a:scrgbClr r="0" g="0" b="0"/>
+      </a:lnRef>
+      <a:fillRef idx="1">
+        <a:scrgbClr r="0" g="0" b="0"/>
+      </a:fillRef>
+      <a:effectRef idx="2">
+        <a:scrgbClr r="0" g="0" b="0"/>
+      </a:effectRef>
+      <a:fontRef idx="minor"/>
+    </dgm:style>
+  </dgm:styleLbl>
+  <dgm:styleLbl name="solidFgAcc1">
+    <dgm:scene3d>
+      <a:camera prst="orthographicFront"/>
+      <a:lightRig rig="threePt" dir="t"/>
+    </dgm:scene3d>
+    <dgm:sp3d/>
+    <dgm:txPr/>
+    <dgm:style>
+      <a:lnRef idx="1">
+        <a:scrgbClr r="0" g="0" b="0"/>
+      </a:lnRef>
+      <a:fillRef idx="1">
+        <a:scrgbClr r="0" g="0" b="0"/>
+      </a:fillRef>
+      <a:effectRef idx="2">
+        <a:scrgbClr r="0" g="0" b="0"/>
+      </a:effectRef>
+      <a:fontRef idx="minor"/>
+    </dgm:style>
+  </dgm:styleLbl>
+  <dgm:styleLbl name="solidAlignAcc1">
+    <dgm:scene3d>
+      <a:camera prst="orthographicFront"/>
+      <a:lightRig rig="threePt" dir="t"/>
+    </dgm:scene3d>
+    <dgm:sp3d/>
+    <dgm:txPr/>
+    <dgm:style>
+      <a:lnRef idx="1">
+        <a:scrgbClr r="0" g="0" b="0"/>
+      </a:lnRef>
+      <a:fillRef idx="1">
+        <a:scrgbClr r="0" g="0" b="0"/>
+      </a:fillRef>
+      <a:effectRef idx="3">
+        <a:scrgbClr r="0" g="0" b="0"/>
+      </a:effectRef>
+      <a:fontRef idx="minor"/>
+    </dgm:style>
+  </dgm:styleLbl>
+  <dgm:styleLbl name="solidBgAcc1">
+    <dgm:scene3d>
+      <a:camera prst="orthographicFront"/>
+      <a:lightRig rig="threePt" dir="t"/>
+    </dgm:scene3d>
+    <dgm:sp3d/>
+    <dgm:txPr/>
+    <dgm:style>
+      <a:lnRef idx="1">
+        <a:scrgbClr r="0" g="0" b="0"/>
+      </a:lnRef>
+      <a:fillRef idx="1">
+        <a:scrgbClr r="0" g="0" b="0"/>
+      </a:fillRef>
+      <a:effectRef idx="3">
+        <a:scrgbClr r="0" g="0" b="0"/>
+      </a:effectRef>
+      <a:fontRef idx="minor"/>
+    </dgm:style>
+  </dgm:styleLbl>
+  <dgm:styleLbl name="fgAccFollowNode1">
+    <dgm:scene3d>
+      <a:camera prst="orthographicFront"/>
+      <a:lightRig rig="threePt" dir="t"/>
+    </dgm:scene3d>
+    <dgm:sp3d/>
+    <dgm:txPr/>
+    <dgm:style>
+      <a:lnRef idx="1">
+        <a:scrgbClr r="0" g="0" b="0"/>
+      </a:lnRef>
+      <a:fillRef idx="1">
+        <a:scrgbClr r="0" g="0" b="0"/>
+      </a:fillRef>
+      <a:effectRef idx="2">
+        <a:scrgbClr r="0" g="0" b="0"/>
+      </a:effectRef>
+      <a:fontRef idx="minor"/>
+    </dgm:style>
+  </dgm:styleLbl>
+  <dgm:styleLbl name="alignAccFollowNode1">
+    <dgm:scene3d>
+      <a:camera prst="orthographicFront"/>
+      <a:lightRig rig="threePt" dir="t"/>
+    </dgm:scene3d>
+    <dgm:sp3d/>
+    <dgm:txPr/>
+    <dgm:style>
+      <a:lnRef idx="1">
+        <a:scrgbClr r="0" g="0" b="0"/>
+      </a:lnRef>
+      <a:fillRef idx="1">
+        <a:scrgbClr r="0" g="0" b="0"/>
+      </a:fillRef>
+      <a:effectRef idx="2">
+        <a:scrgbClr r="0" g="0" b="0"/>
+      </a:effectRef>
+      <a:fontRef idx="minor"/>
+    </dgm:style>
+  </dgm:styleLbl>
+  <dgm:styleLbl name="bgAccFollowNode1">
+    <dgm:scene3d>
+      <a:camera prst="orthographicFront"/>
+      <a:lightRig rig="threePt" dir="t"/>
+    </dgm:scene3d>
+    <dgm:sp3d/>
+    <dgm:txPr/>
+    <dgm:style>
+      <a:lnRef idx="1">
+        <a:scrgbClr r="0" g="0" b="0"/>
+      </a:lnRef>
+      <a:fillRef idx="1">
+        <a:scrgbClr r="0" g="0" b="0"/>
+      </a:fillRef>
+      <a:effectRef idx="2">
+        <a:scrgbClr r="0" g="0" b="0"/>
+      </a:effectRef>
+      <a:fontRef idx="minor"/>
+    </dgm:style>
+  </dgm:styleLbl>
+  <dgm:styleLbl name="fgAcc0">
+    <dgm:scene3d>
+      <a:camera prst="orthographicFront"/>
+      <a:lightRig rig="threePt" dir="t"/>
+    </dgm:scene3d>
+    <dgm:sp3d/>
+    <dgm:txPr/>
+    <dgm:style>
+      <a:lnRef idx="1">
+        <a:scrgbClr r="0" g="0" b="0"/>
+      </a:lnRef>
+      <a:fillRef idx="1">
+        <a:scrgbClr r="0" g="0" b="0"/>
+      </a:fillRef>
+      <a:effectRef idx="2">
+        <a:scrgbClr r="0" g="0" b="0"/>
+      </a:effectRef>
+      <a:fontRef idx="minor"/>
+    </dgm:style>
+  </dgm:styleLbl>
+  <dgm:styleLbl name="fgAcc2">
+    <dgm:scene3d>
+      <a:camera prst="orthographicFront"/>
+      <a:lightRig rig="threePt" dir="t"/>
+    </dgm:scene3d>
+    <dgm:sp3d/>
+    <dgm:txPr/>
+    <dgm:style>
+      <a:lnRef idx="1">
+        <a:scrgbClr r="0" g="0" b="0"/>
+      </a:lnRef>
+      <a:fillRef idx="1">
+        <a:scrgbClr r="0" g="0" b="0"/>
+      </a:fillRef>
+      <a:effectRef idx="2">
+        <a:scrgbClr r="0" g="0" b="0"/>
+      </a:effectRef>
+      <a:fontRef idx="minor"/>
+    </dgm:style>
+  </dgm:styleLbl>
+  <dgm:styleLbl name="fgAcc3">
+    <dgm:scene3d>
+      <a:camera prst="orthographicFront"/>
+      <a:lightRig rig="threePt" dir="t"/>
+    </dgm:scene3d>
+    <dgm:sp3d/>
+    <dgm:txPr/>
+    <dgm:style>
+      <a:lnRef idx="1">
+        <a:scrgbClr r="0" g="0" b="0"/>
+      </a:lnRef>
+      <a:fillRef idx="1">
+        <a:scrgbClr r="0" g="0" b="0"/>
+      </a:fillRef>
+      <a:effectRef idx="2">
+        <a:scrgbClr r="0" g="0" b="0"/>
+      </a:effectRef>
+      <a:fontRef idx="minor"/>
+    </dgm:style>
+  </dgm:styleLbl>
+  <dgm:styleLbl name="fgAcc4">
+    <dgm:scene3d>
+      <a:camera prst="orthographicFront"/>
+      <a:lightRig rig="threePt" dir="t"/>
+    </dgm:scene3d>
+    <dgm:sp3d/>
+    <dgm:txPr/>
+    <dgm:style>
+      <a:lnRef idx="1">
+        <a:scrgbClr r="0" g="0" b="0"/>
+      </a:lnRef>
+      <a:fillRef idx="1">
+        <a:scrgbClr r="0" g="0" b="0"/>
+      </a:fillRef>
+      <a:effectRef idx="2">
+        <a:scrgbClr r="0" g="0" b="0"/>
+      </a:effectRef>
+      <a:fontRef idx="minor"/>
+    </dgm:style>
+  </dgm:styleLbl>
+  <dgm:styleLbl name="bgShp">
+    <dgm:scene3d>
+      <a:camera prst="orthographicFront"/>
+      <a:lightRig rig="threePt" dir="t"/>
+    </dgm:scene3d>
+    <dgm:sp3d/>
+    <dgm:txPr/>
+    <dgm:style>
+      <a:lnRef idx="0">
+        <a:scrgbClr r="0" g="0" b="0"/>
+      </a:lnRef>
+      <a:fillRef idx="1">
+        <a:scrgbClr r="0" g="0" b="0"/>
+      </a:fillRef>
+      <a:effectRef idx="2">
+        <a:scrgbClr r="0" g="0" b="0"/>
+      </a:effectRef>
+      <a:fontRef idx="minor"/>
+    </dgm:style>
+  </dgm:styleLbl>
+  <dgm:styleLbl name="dkBgShp">
+    <dgm:scene3d>
+      <a:camera prst="orthographicFront"/>
+      <a:lightRig rig="threePt" dir="t"/>
+    </dgm:scene3d>
+    <dgm:sp3d/>
+    <dgm:txPr/>
+    <dgm:style>
+      <a:lnRef idx="0">
+        <a:scrgbClr r="0" g="0" b="0"/>
+      </a:lnRef>
+      <a:fillRef idx="1">
+        <a:scrgbClr r="0" g="0" b="0"/>
+      </a:fillRef>
+      <a:effectRef idx="3">
+        <a:scrgbClr r="0" g="0" b="0"/>
+      </a:effectRef>
+      <a:fontRef idx="minor"/>
+    </dgm:style>
+  </dgm:styleLbl>
+  <dgm:styleLbl name="trBgShp">
+    <dgm:scene3d>
+      <a:camera prst="orthographicFront"/>
+      <a:lightRig rig="threePt" dir="t"/>
+    </dgm:scene3d>
+    <dgm:sp3d/>
+    <dgm:txPr/>
+    <dgm:style>
+      <a:lnRef idx="0">
+        <a:scrgbClr r="0" g="0" b="0"/>
+      </a:lnRef>
+      <a:fillRef idx="1">
+        <a:scrgbClr r="0" g="0" b="0"/>
+      </a:fillRef>
+      <a:effectRef idx="0">
+        <a:scrgbClr r="0" g="0" b="0"/>
+      </a:effectRef>
+      <a:fontRef idx="minor"/>
+    </dgm:style>
+  </dgm:styleLbl>
+  <dgm:styleLbl name="fgShp">
+    <dgm:scene3d>
+      <a:camera prst="orthographicFront"/>
+      <a:lightRig rig="threePt" dir="t"/>
+    </dgm:scene3d>
+    <dgm:sp3d/>
+    <dgm:txPr/>
+    <dgm:style>
+      <a:lnRef idx="0">
+        <a:scrgbClr r="0" g="0" b="0"/>
+      </a:lnRef>
+      <a:fillRef idx="3">
+        <a:scrgbClr r="0" g="0" b="0"/>
+      </a:fillRef>
+      <a:effectRef idx="3">
+        <a:scrgbClr r="0" g="0" b="0"/>
+      </a:effectRef>
+      <a:fontRef idx="minor"/>
+    </dgm:style>
+  </dgm:styleLbl>
+  <dgm:styleLbl name="revTx">
+    <dgm:scene3d>
+      <a:camera prst="orthographicFront"/>
+      <a:lightRig rig="threePt" dir="t"/>
+    </dgm:scene3d>
+    <dgm:sp3d/>
+    <dgm:txPr/>
+    <dgm:style>
+      <a:lnRef idx="0">
+        <a:scrgbClr r="0" g="0" b="0"/>
+      </a:lnRef>
+      <a:fillRef idx="0">
+        <a:scrgbClr r="0" g="0" b="0"/>
+      </a:fillRef>
+      <a:effectRef idx="0">
+        <a:scrgbClr r="0" g="0" b="0"/>
+      </a:effectRef>
+      <a:fontRef idx="minor"/>
+    </dgm:style>
+  </dgm:styleLbl>
+</dgm:styleDef>
+</file>
+
+<file path=ppt/diagrams/quickStyle2.xml><?xml version="1.0" encoding="utf-8"?>
 <dgm:styleDef xmlns:dgm="http://schemas.openxmlformats.org/drawingml/2006/diagram" xmlns:a="http://schemas.openxmlformats.org/drawingml/2006/main" uniqueId="urn:microsoft.com/office/officeart/2005/8/quickstyle/simple5">
   <dgm:title val=""/>
   <dgm:desc val=""/>
@@ -3462,7 +6144,7 @@
             <a:fld id="{E7422BF2-52F6-4EEE-8F1B-C6CA8BD0E9DF}" type="datetimeFigureOut">
               <a:rPr lang="ru-RU" smtClean="0"/>
               <a:pPr/>
-              <a:t>17.11.2015</a:t>
+              <a:t>13.04.2016</a:t>
             </a:fld>
             <a:endParaRPr lang="ru-RU"/>
           </a:p>
@@ -3633,7 +6315,7 @@
     </p:spTree>
     <p:extLst>
       <p:ext uri="{BB962C8B-B14F-4D97-AF65-F5344CB8AC3E}">
-        <p14:creationId xmlns:p14="http://schemas.microsoft.com/office/powerpoint/2010/main" xmlns="" val="719331724"/>
+        <p14:creationId xmlns="" xmlns:p14="http://schemas.microsoft.com/office/powerpoint/2010/main" val="719331724"/>
       </p:ext>
     </p:extLst>
   </p:cSld>
@@ -3808,7 +6490,7 @@
     </p:spTree>
     <p:extLst>
       <p:ext uri="{BB962C8B-B14F-4D97-AF65-F5344CB8AC3E}">
-        <p14:creationId xmlns:p14="http://schemas.microsoft.com/office/powerpoint/2010/main" xmlns="" val="2722185901"/>
+        <p14:creationId xmlns="" xmlns:p14="http://schemas.microsoft.com/office/powerpoint/2010/main" val="2722185901"/>
       </p:ext>
     </p:extLst>
   </p:cSld>
@@ -3956,7 +6638,7 @@
             <a:fld id="{6A94C644-CB99-4813-97FF-E396B9492022}" type="datetimeFigureOut">
               <a:rPr lang="ru-RU" smtClean="0"/>
               <a:pPr/>
-              <a:t>17.11.2015</a:t>
+              <a:t>13.04.2016</a:t>
             </a:fld>
             <a:endParaRPr lang="ru-RU"/>
           </a:p>
@@ -4827,7 +7509,7 @@
             <a:fld id="{6A94C644-CB99-4813-97FF-E396B9492022}" type="datetimeFigureOut">
               <a:rPr lang="ru-RU" smtClean="0"/>
               <a:pPr/>
-              <a:t>17.11.2015</a:t>
+              <a:t>13.04.2016</a:t>
             </a:fld>
             <a:endParaRPr lang="ru-RU"/>
           </a:p>
@@ -5004,7 +7686,7 @@
             <a:fld id="{6A94C644-CB99-4813-97FF-E396B9492022}" type="datetimeFigureOut">
               <a:rPr lang="ru-RU" smtClean="0"/>
               <a:pPr/>
-              <a:t>17.11.2015</a:t>
+              <a:t>13.04.2016</a:t>
             </a:fld>
             <a:endParaRPr lang="ru-RU"/>
           </a:p>
@@ -5176,7 +7858,7 @@
             <a:fld id="{6A94C644-CB99-4813-97FF-E396B9492022}" type="datetimeFigureOut">
               <a:rPr lang="ru-RU" smtClean="0"/>
               <a:pPr/>
-              <a:t>17.11.2015</a:t>
+              <a:t>13.04.2016</a:t>
             </a:fld>
             <a:endParaRPr lang="ru-RU"/>
           </a:p>
@@ -5388,7 +8070,7 @@
             <a:fld id="{6A94C644-CB99-4813-97FF-E396B9492022}" type="datetimeFigureOut">
               <a:rPr lang="ru-RU" smtClean="0"/>
               <a:pPr/>
-              <a:t>17.11.2015</a:t>
+              <a:t>13.04.2016</a:t>
             </a:fld>
             <a:endParaRPr lang="ru-RU"/>
           </a:p>
@@ -6204,7 +8886,7 @@
             <a:fld id="{6A94C644-CB99-4813-97FF-E396B9492022}" type="datetimeFigureOut">
               <a:rPr lang="ru-RU" smtClean="0"/>
               <a:pPr/>
-              <a:t>17.11.2015</a:t>
+              <a:t>13.04.2016</a:t>
             </a:fld>
             <a:endParaRPr lang="ru-RU"/>
           </a:p>
@@ -6442,7 +9124,7 @@
             <a:fld id="{6A94C644-CB99-4813-97FF-E396B9492022}" type="datetimeFigureOut">
               <a:rPr lang="ru-RU" smtClean="0"/>
               <a:pPr/>
-              <a:t>17.11.2015</a:t>
+              <a:t>13.04.2016</a:t>
             </a:fld>
             <a:endParaRPr lang="ru-RU"/>
           </a:p>
@@ -6767,7 +9449,7 @@
             <a:fld id="{6A94C644-CB99-4813-97FF-E396B9492022}" type="datetimeFigureOut">
               <a:rPr lang="ru-RU" smtClean="0"/>
               <a:pPr/>
-              <a:t>17.11.2015</a:t>
+              <a:t>13.04.2016</a:t>
             </a:fld>
             <a:endParaRPr lang="ru-RU"/>
           </a:p>
@@ -6859,7 +9541,7 @@
             <a:fld id="{6A94C644-CB99-4813-97FF-E396B9492022}" type="datetimeFigureOut">
               <a:rPr lang="ru-RU" smtClean="0"/>
               <a:pPr/>
-              <a:t>17.11.2015</a:t>
+              <a:t>13.04.2016</a:t>
             </a:fld>
             <a:endParaRPr lang="ru-RU"/>
           </a:p>
@@ -7378,7 +10060,7 @@
             <a:fld id="{6A94C644-CB99-4813-97FF-E396B9492022}" type="datetimeFigureOut">
               <a:rPr lang="ru-RU" smtClean="0"/>
               <a:pPr/>
-              <a:t>17.11.2015</a:t>
+              <a:t>13.04.2016</a:t>
             </a:fld>
             <a:endParaRPr lang="ru-RU"/>
           </a:p>
@@ -7891,7 +10573,7 @@
             <a:fld id="{6A94C644-CB99-4813-97FF-E396B9492022}" type="datetimeFigureOut">
               <a:rPr lang="ru-RU" smtClean="0"/>
               <a:pPr/>
-              <a:t>17.11.2015</a:t>
+              <a:t>13.04.2016</a:t>
             </a:fld>
             <a:endParaRPr lang="ru-RU"/>
           </a:p>
@@ -8138,7 +10820,7 @@
             <a:fld id="{6A94C644-CB99-4813-97FF-E396B9492022}" type="datetimeFigureOut">
               <a:rPr lang="ru-RU" smtClean="0"/>
               <a:pPr/>
-              <a:t>17.11.2015</a:t>
+              <a:t>13.04.2016</a:t>
             </a:fld>
             <a:endParaRPr lang="ru-RU"/>
           </a:p>
@@ -9483,6 +12165,260 @@
 </p:sld>
 </file>
 
+<file path=ppt/slides/slide13.xml><?xml version="1.0" encoding="utf-8"?>
+<p:sld xmlns:a="http://schemas.openxmlformats.org/drawingml/2006/main" xmlns:r="http://schemas.openxmlformats.org/officeDocument/2006/relationships" xmlns:p="http://schemas.openxmlformats.org/presentationml/2006/main">
+  <p:cSld>
+    <p:spTree>
+      <p:nvGrpSpPr>
+        <p:cNvPr id="1" name=""/>
+        <p:cNvGrpSpPr/>
+        <p:nvPr/>
+      </p:nvGrpSpPr>
+      <p:grpSpPr>
+        <a:xfrm>
+          <a:off x="0" y="0"/>
+          <a:ext cx="0" cy="0"/>
+          <a:chOff x="0" y="0"/>
+          <a:chExt cx="0" cy="0"/>
+        </a:xfrm>
+      </p:grpSpPr>
+      <p:sp>
+        <p:nvSpPr>
+          <p:cNvPr id="2" name="Заголовок 1"/>
+          <p:cNvSpPr>
+            <a:spLocks noGrp="1"/>
+          </p:cNvSpPr>
+          <p:nvPr>
+            <p:ph type="title"/>
+          </p:nvPr>
+        </p:nvSpPr>
+        <p:spPr>
+          <a:xfrm>
+            <a:off x="428596" y="142852"/>
+            <a:ext cx="7467600" cy="774720"/>
+          </a:xfrm>
+        </p:spPr>
+        <p:txBody>
+          <a:bodyPr>
+            <a:normAutofit/>
+          </a:bodyPr>
+          <a:lstStyle/>
+          <a:p>
+            <a:pPr algn="ctr"/>
+            <a:r>
+              <a:rPr lang="ru-RU" sz="4000" b="1" dirty="0" smtClean="0"/>
+              <a:t>Логистика поставки</a:t>
+            </a:r>
+            <a:endParaRPr lang="ru-RU" sz="4000" b="1" dirty="0"/>
+          </a:p>
+        </p:txBody>
+      </p:sp>
+      <p:graphicFrame>
+        <p:nvGraphicFramePr>
+          <p:cNvPr id="4" name="Содержимое 3"/>
+          <p:cNvGraphicFramePr>
+            <a:graphicFrameLocks noGrp="1"/>
+          </p:cNvGraphicFramePr>
+          <p:nvPr>
+            <p:ph sz="quarter" idx="1"/>
+            <p:extLst>
+              <p:ext uri="{D42A27DB-BD31-4B8C-83A1-F6EECF244321}">
+                <p14:modId xmlns="" xmlns:p14="http://schemas.microsoft.com/office/powerpoint/2010/main" val="1518832231"/>
+              </p:ext>
+            </p:extLst>
+          </p:nvPr>
+        </p:nvGraphicFramePr>
+        <p:xfrm>
+          <a:off x="571472" y="1000108"/>
+          <a:ext cx="7467600" cy="4873625"/>
+        </p:xfrm>
+        <a:graphic>
+          <a:graphicData uri="http://schemas.openxmlformats.org/drawingml/2006/diagram">
+            <dgm:relIds xmlns:dgm="http://schemas.openxmlformats.org/drawingml/2006/diagram" xmlns:r="http://schemas.openxmlformats.org/officeDocument/2006/relationships" r:dm="rId2" r:lo="rId3" r:qs="rId4" r:cs="rId5"/>
+          </a:graphicData>
+        </a:graphic>
+      </p:graphicFrame>
+    </p:spTree>
+  </p:cSld>
+  <p:clrMapOvr>
+    <a:masterClrMapping/>
+  </p:clrMapOvr>
+</p:sld>
+</file>
+
+<file path=ppt/slides/slide14.xml><?xml version="1.0" encoding="utf-8"?>
+<p:sld xmlns:a="http://schemas.openxmlformats.org/drawingml/2006/main" xmlns:r="http://schemas.openxmlformats.org/officeDocument/2006/relationships" xmlns:p="http://schemas.openxmlformats.org/presentationml/2006/main">
+  <p:cSld>
+    <p:spTree>
+      <p:nvGrpSpPr>
+        <p:cNvPr id="1" name=""/>
+        <p:cNvGrpSpPr/>
+        <p:nvPr/>
+      </p:nvGrpSpPr>
+      <p:grpSpPr>
+        <a:xfrm>
+          <a:off x="0" y="0"/>
+          <a:ext cx="0" cy="0"/>
+          <a:chOff x="0" y="0"/>
+          <a:chExt cx="0" cy="0"/>
+        </a:xfrm>
+      </p:grpSpPr>
+      <p:sp>
+        <p:nvSpPr>
+          <p:cNvPr id="2" name="Заголовок 1"/>
+          <p:cNvSpPr>
+            <a:spLocks noGrp="1"/>
+          </p:cNvSpPr>
+          <p:nvPr>
+            <p:ph type="title"/>
+          </p:nvPr>
+        </p:nvSpPr>
+        <p:spPr/>
+        <p:txBody>
+          <a:bodyPr>
+            <a:noAutofit/>
+          </a:bodyPr>
+          <a:lstStyle/>
+          <a:p>
+            <a:pPr algn="ctr"/>
+            <a:r>
+              <a:rPr lang="ru-RU" sz="4000" b="1" dirty="0" smtClean="0"/>
+              <a:t>Общая схема бизнес-процесса</a:t>
+            </a:r>
+            <a:endParaRPr lang="ru-RU" sz="4000" dirty="0"/>
+          </a:p>
+        </p:txBody>
+      </p:sp>
+      <p:pic>
+        <p:nvPicPr>
+          <p:cNvPr id="1027" name="Picture 3" descr="C:\Users\Vlada\Desktop\ScreenShot_20160413130711.png"/>
+          <p:cNvPicPr>
+            <a:picLocks noChangeAspect="1" noChangeArrowheads="1"/>
+          </p:cNvPicPr>
+          <p:nvPr/>
+        </p:nvPicPr>
+        <p:blipFill>
+          <a:blip r:embed="rId2"/>
+          <a:srcRect/>
+          <a:stretch>
+            <a:fillRect/>
+          </a:stretch>
+        </p:blipFill>
+        <p:spPr bwMode="auto">
+          <a:xfrm>
+            <a:off x="285720" y="1500174"/>
+            <a:ext cx="8442321" cy="4210050"/>
+          </a:xfrm>
+          <a:prstGeom prst="rect">
+            <a:avLst/>
+          </a:prstGeom>
+          <a:noFill/>
+        </p:spPr>
+      </p:pic>
+    </p:spTree>
+  </p:cSld>
+  <p:clrMapOvr>
+    <a:masterClrMapping/>
+  </p:clrMapOvr>
+</p:sld>
+</file>
+
+<file path=ppt/slides/slide15.xml><?xml version="1.0" encoding="utf-8"?>
+<p:sld xmlns:a="http://schemas.openxmlformats.org/drawingml/2006/main" xmlns:r="http://schemas.openxmlformats.org/officeDocument/2006/relationships" xmlns:p="http://schemas.openxmlformats.org/presentationml/2006/main">
+  <p:cSld>
+    <p:spTree>
+      <p:nvGrpSpPr>
+        <p:cNvPr id="1" name=""/>
+        <p:cNvGrpSpPr/>
+        <p:nvPr/>
+      </p:nvGrpSpPr>
+      <p:grpSpPr>
+        <a:xfrm>
+          <a:off x="0" y="0"/>
+          <a:ext cx="0" cy="0"/>
+          <a:chOff x="0" y="0"/>
+          <a:chExt cx="0" cy="0"/>
+        </a:xfrm>
+      </p:grpSpPr>
+      <p:sp>
+        <p:nvSpPr>
+          <p:cNvPr id="2" name="Заголовок 1"/>
+          <p:cNvSpPr>
+            <a:spLocks noGrp="1"/>
+          </p:cNvSpPr>
+          <p:nvPr>
+            <p:ph type="title"/>
+          </p:nvPr>
+        </p:nvSpPr>
+        <p:spPr/>
+        <p:txBody>
+          <a:bodyPr>
+            <a:normAutofit fontScale="90000"/>
+          </a:bodyPr>
+          <a:lstStyle/>
+          <a:p>
+            <a:pPr algn="ctr"/>
+            <a:r>
+              <a:rPr lang="ru-RU" sz="4000" b="1" dirty="0" smtClean="0"/>
+              <a:t>Пример интерфейса поставщика</a:t>
+            </a:r>
+            <a:endParaRPr lang="ru-RU" sz="4000" b="1" dirty="0"/>
+          </a:p>
+        </p:txBody>
+      </p:sp>
+      <p:sp>
+        <p:nvSpPr>
+          <p:cNvPr id="3" name="Содержимое 2"/>
+          <p:cNvSpPr>
+            <a:spLocks noGrp="1"/>
+          </p:cNvSpPr>
+          <p:nvPr>
+            <p:ph sz="quarter" idx="1"/>
+          </p:nvPr>
+        </p:nvSpPr>
+        <p:spPr/>
+        <p:txBody>
+          <a:bodyPr/>
+          <a:lstStyle/>
+          <a:p>
+            <a:endParaRPr lang="ru-RU"/>
+          </a:p>
+        </p:txBody>
+      </p:sp>
+      <p:pic>
+        <p:nvPicPr>
+          <p:cNvPr id="2052" name="Picture 4" descr="C:\Users\Vlada\Desktop\доки\пример.png"/>
+          <p:cNvPicPr>
+            <a:picLocks noChangeAspect="1" noChangeArrowheads="1"/>
+          </p:cNvPicPr>
+          <p:nvPr/>
+        </p:nvPicPr>
+        <p:blipFill>
+          <a:blip r:embed="rId2"/>
+          <a:srcRect/>
+          <a:stretch>
+            <a:fillRect/>
+          </a:stretch>
+        </p:blipFill>
+        <p:spPr bwMode="auto">
+          <a:xfrm>
+            <a:off x="642910" y="1571612"/>
+            <a:ext cx="7429552" cy="4800117"/>
+          </a:xfrm>
+          <a:prstGeom prst="rect">
+            <a:avLst/>
+          </a:prstGeom>
+          <a:noFill/>
+        </p:spPr>
+      </p:pic>
+    </p:spTree>
+  </p:cSld>
+  <p:clrMapOvr>
+    <a:masterClrMapping/>
+  </p:clrMapOvr>
+</p:sld>
+</file>
+
 <file path=ppt/slides/slide2.xml><?xml version="1.0" encoding="utf-8"?>
 <p:sld xmlns:a="http://schemas.openxmlformats.org/drawingml/2006/main" xmlns:r="http://schemas.openxmlformats.org/officeDocument/2006/relationships" xmlns:p="http://schemas.openxmlformats.org/presentationml/2006/main">
   <p:cSld>
@@ -9510,7 +12446,7 @@
           <a:blip r:embed="rId2" cstate="print">
             <a:extLst>
               <a:ext uri="{28A0092B-C50C-407E-A947-70E740481C1C}">
-                <a14:useLocalDpi xmlns:a14="http://schemas.microsoft.com/office/drawing/2010/main" xmlns="" val="0"/>
+                <a14:useLocalDpi xmlns="" xmlns:a14="http://schemas.microsoft.com/office/drawing/2010/main" val="0"/>
               </a:ext>
             </a:extLst>
           </a:blip>
@@ -9553,11 +12489,7 @@
             <a:pPr algn="ctr"/>
             <a:r>
               <a:rPr lang="ru-RU" sz="3100" b="1" dirty="0" smtClean="0"/>
-              <a:t>Автоматизация бизнес-процессов повышает </a:t>
-            </a:r>
-            <a:r>
-              <a:rPr lang="ru-RU" sz="3100" b="1" dirty="0" smtClean="0"/>
-              <a:t>эффективность бизнеса</a:t>
+              <a:t>Автоматизация бизнес-процессов повышает эффективность бизнеса</a:t>
             </a:r>
             <a:r>
               <a:rPr lang="ru-RU" dirty="0" smtClean="0"/>
@@ -9785,7 +12717,7 @@
             <p:ph sz="quarter" idx="1"/>
             <p:extLst>
               <p:ext uri="{D42A27DB-BD31-4B8C-83A1-F6EECF244321}">
-                <p14:modId xmlns:p14="http://schemas.microsoft.com/office/powerpoint/2010/main" xmlns="" val="1518832231"/>
+                <p14:modId xmlns="" xmlns:p14="http://schemas.microsoft.com/office/powerpoint/2010/main" val="1518832231"/>
               </p:ext>
             </p:extLst>
           </p:nvPr>

--- a/TMS/trunk/documents/презентация для конференции.pptx
+++ b/TMS/trunk/documents/презентация для конференции.pptx
@@ -5,7 +5,7 @@
     <p:sldMasterId id="2147483672" r:id="rId1"/>
   </p:sldMasterIdLst>
   <p:notesMasterIdLst>
-    <p:notesMasterId r:id="rId17"/>
+    <p:notesMasterId r:id="rId18"/>
   </p:notesMasterIdLst>
   <p:sldIdLst>
     <p:sldId id="256" r:id="rId2"/>
@@ -23,6 +23,7 @@
     <p:sldId id="270" r:id="rId14"/>
     <p:sldId id="271" r:id="rId15"/>
     <p:sldId id="272" r:id="rId16"/>
+    <p:sldId id="274" r:id="rId17"/>
   </p:sldIdLst>
   <p:sldSz cx="9144000" cy="6858000" type="screen4x3"/>
   <p:notesSz cx="6858000" cy="9144000"/>
@@ -2718,7 +2719,7 @@
                 </a:outerShdw>
               </a:effectLst>
             </a:rPr>
-            <a:t>Быстрое уведомление поставщиков и сотрудников склада об изменениях.</a:t>
+            <a:t>Быстрое уведомление поставщиков и сотрудников склада об изменениях в расписании.</a:t>
           </a:r>
           <a:endParaRPr lang="ru-RU" sz="1600" dirty="0">
             <a:effectLst>
@@ -12291,7 +12292,7 @@
       </p:sp>
       <p:pic>
         <p:nvPicPr>
-          <p:cNvPr id="1027" name="Picture 3" descr="C:\Users\Vlada\Desktop\ScreenShot_20160413130711.png"/>
+          <p:cNvPr id="1028" name="Picture 4" descr="C:\Users\Vlada\Desktop\ScreenShot_20160413144528.png"/>
           <p:cNvPicPr>
             <a:picLocks noChangeAspect="1" noChangeArrowheads="1"/>
           </p:cNvPicPr>
@@ -12306,8 +12307,8 @@
         </p:blipFill>
         <p:spPr bwMode="auto">
           <a:xfrm>
-            <a:off x="285720" y="1500174"/>
-            <a:ext cx="8442321" cy="4210050"/>
+            <a:off x="142844" y="1928802"/>
+            <a:ext cx="8572560" cy="3752850"/>
           </a:xfrm>
           <a:prstGeom prst="rect">
             <a:avLst/>
@@ -12376,12 +12377,33 @@
             <p:ph sz="quarter" idx="1"/>
           </p:nvPr>
         </p:nvSpPr>
-        <p:spPr/>
+        <p:spPr>
+          <a:xfrm>
+            <a:off x="285720" y="1714488"/>
+            <a:ext cx="4186238" cy="2185990"/>
+          </a:xfrm>
+        </p:spPr>
         <p:txBody>
           <a:bodyPr/>
           <a:lstStyle/>
           <a:p>
-            <a:endParaRPr lang="ru-RU"/>
+            <a:pPr>
+              <a:buFont typeface="Courier New" pitchFamily="49" charset="0"/>
+              <a:buChar char="o"/>
+            </a:pPr>
+            <a:r>
+              <a:rPr lang="ru-RU" dirty="0" smtClean="0"/>
+              <a:t>Интуитивно понятный</a:t>
+            </a:r>
+          </a:p>
+          <a:p>
+            <a:pPr>
+              <a:buNone/>
+            </a:pPr>
+            <a:r>
+              <a:rPr lang="ru-RU" dirty="0" smtClean="0"/>
+              <a:t>    интерфейс;</a:t>
+            </a:r>
           </a:p>
         </p:txBody>
       </p:sp>
@@ -12402,15 +12424,411 @@
         </p:blipFill>
         <p:spPr bwMode="auto">
           <a:xfrm>
-            <a:off x="642910" y="1571612"/>
-            <a:ext cx="7429552" cy="4800117"/>
+            <a:off x="4493736" y="1428736"/>
+            <a:ext cx="4201686" cy="2714644"/>
+          </a:xfrm>
+          <a:prstGeom prst="rect">
+            <a:avLst/>
+          </a:prstGeom>
+          <a:ln>
+            <a:noFill/>
+          </a:ln>
+          <a:effectLst>
+            <a:outerShdw blurRad="190500" algn="tl" rotWithShape="0">
+              <a:srgbClr val="000000">
+                <a:alpha val="70000"/>
+              </a:srgbClr>
+            </a:outerShdw>
+          </a:effectLst>
+        </p:spPr>
+      </p:pic>
+      <p:pic>
+        <p:nvPicPr>
+          <p:cNvPr id="7" name="Picture 2" descr="C:\Users\Vlada\Desktop\доки\пример 2.png"/>
+          <p:cNvPicPr>
+            <a:picLocks noChangeAspect="1" noChangeArrowheads="1"/>
+          </p:cNvPicPr>
+          <p:nvPr/>
+        </p:nvPicPr>
+        <p:blipFill>
+          <a:blip r:embed="rId3"/>
+          <a:srcRect/>
+          <a:stretch>
+            <a:fillRect/>
+          </a:stretch>
+        </p:blipFill>
+        <p:spPr bwMode="auto">
+          <a:xfrm>
+            <a:off x="142844" y="3929066"/>
+            <a:ext cx="5115830" cy="2734682"/>
+          </a:xfrm>
+          <a:prstGeom prst="rect">
+            <a:avLst/>
+          </a:prstGeom>
+          <a:ln>
+            <a:noFill/>
+          </a:ln>
+          <a:effectLst>
+            <a:outerShdw blurRad="190500" algn="tl" rotWithShape="0">
+              <a:srgbClr val="000000">
+                <a:alpha val="70000"/>
+              </a:srgbClr>
+            </a:outerShdw>
+          </a:effectLst>
+        </p:spPr>
+      </p:pic>
+      <p:sp>
+        <p:nvSpPr>
+          <p:cNvPr id="9" name="TextBox 8"/>
+          <p:cNvSpPr txBox="1"/>
+          <p:nvPr/>
+        </p:nvSpPr>
+        <p:spPr>
+          <a:xfrm>
+            <a:off x="5429256" y="4429132"/>
+            <a:ext cx="3411511" cy="1477328"/>
           </a:xfrm>
           <a:prstGeom prst="rect">
             <a:avLst/>
           </a:prstGeom>
           <a:noFill/>
         </p:spPr>
+        <p:txBody>
+          <a:bodyPr wrap="none" rtlCol="0">
+            <a:spAutoFit/>
+          </a:bodyPr>
+          <a:lstStyle/>
+          <a:p>
+            <a:pPr>
+              <a:buClr>
+                <a:schemeClr val="accent1"/>
+              </a:buClr>
+              <a:buFont typeface="Courier New" pitchFamily="49" charset="0"/>
+              <a:buChar char="o"/>
+            </a:pPr>
+            <a:r>
+              <a:rPr lang="ru-RU" sz="2400" dirty="0" smtClean="0"/>
+              <a:t> Возможность </a:t>
+            </a:r>
+            <a:endParaRPr lang="ru-RU" sz="2400" dirty="0" smtClean="0"/>
+          </a:p>
+          <a:p>
+            <a:pPr>
+              <a:buNone/>
+            </a:pPr>
+            <a:r>
+              <a:rPr lang="ru-RU" sz="2400" dirty="0" smtClean="0"/>
+              <a:t>    планировать время</a:t>
+            </a:r>
+          </a:p>
+          <a:p>
+            <a:pPr>
+              <a:buNone/>
+            </a:pPr>
+            <a:r>
+              <a:rPr lang="ru-RU" sz="2400" dirty="0" smtClean="0"/>
+              <a:t>    поставки груза;</a:t>
+            </a:r>
+          </a:p>
+          <a:p>
+            <a:endParaRPr lang="ru-RU" dirty="0"/>
+          </a:p>
+        </p:txBody>
+      </p:sp>
+    </p:spTree>
+  </p:cSld>
+  <p:clrMapOvr>
+    <a:masterClrMapping/>
+  </p:clrMapOvr>
+</p:sld>
+</file>
+
+<file path=ppt/slides/slide16.xml><?xml version="1.0" encoding="utf-8"?>
+<p:sld xmlns:a="http://schemas.openxmlformats.org/drawingml/2006/main" xmlns:r="http://schemas.openxmlformats.org/officeDocument/2006/relationships" xmlns:p="http://schemas.openxmlformats.org/presentationml/2006/main">
+  <p:cSld>
+    <p:spTree>
+      <p:nvGrpSpPr>
+        <p:cNvPr id="1" name=""/>
+        <p:cNvGrpSpPr/>
+        <p:nvPr/>
+      </p:nvGrpSpPr>
+      <p:grpSpPr>
+        <a:xfrm>
+          <a:off x="0" y="0"/>
+          <a:ext cx="0" cy="0"/>
+          <a:chOff x="0" y="0"/>
+          <a:chExt cx="0" cy="0"/>
+        </a:xfrm>
+      </p:grpSpPr>
+      <p:sp>
+        <p:nvSpPr>
+          <p:cNvPr id="2" name="Заголовок 1"/>
+          <p:cNvSpPr>
+            <a:spLocks noGrp="1"/>
+          </p:cNvSpPr>
+          <p:nvPr>
+            <p:ph type="title"/>
+          </p:nvPr>
+        </p:nvSpPr>
+        <p:spPr/>
+        <p:txBody>
+          <a:bodyPr>
+            <a:noAutofit/>
+          </a:bodyPr>
+          <a:lstStyle/>
+          <a:p>
+            <a:pPr algn="ctr"/>
+            <a:r>
+              <a:rPr lang="ru-RU" sz="4000" b="1" dirty="0" smtClean="0"/>
+              <a:t>Пример интерфейса диспетчера</a:t>
+            </a:r>
+            <a:endParaRPr lang="ru-RU" sz="4000" b="1" dirty="0"/>
+          </a:p>
+        </p:txBody>
+      </p:sp>
+      <p:pic>
+        <p:nvPicPr>
+          <p:cNvPr id="4102" name="Picture 6" descr="C:\Users\Vlada\Desktop\доки\пример 3.png"/>
+          <p:cNvPicPr>
+            <a:picLocks noChangeAspect="1" noChangeArrowheads="1"/>
+          </p:cNvPicPr>
+          <p:nvPr/>
+        </p:nvPicPr>
+        <p:blipFill>
+          <a:blip r:embed="rId2"/>
+          <a:srcRect/>
+          <a:stretch>
+            <a:fillRect/>
+          </a:stretch>
+        </p:blipFill>
+        <p:spPr bwMode="auto">
+          <a:xfrm>
+            <a:off x="4286248" y="1428736"/>
+            <a:ext cx="4382755" cy="2928958"/>
+          </a:xfrm>
+          <a:prstGeom prst="rect">
+            <a:avLst/>
+          </a:prstGeom>
+          <a:ln>
+            <a:noFill/>
+          </a:ln>
+          <a:effectLst>
+            <a:outerShdw blurRad="190500" algn="tl" rotWithShape="0">
+              <a:srgbClr val="000000">
+                <a:alpha val="70000"/>
+              </a:srgbClr>
+            </a:outerShdw>
+          </a:effectLst>
+        </p:spPr>
       </p:pic>
+      <p:pic>
+        <p:nvPicPr>
+          <p:cNvPr id="4101" name="Picture 5" descr="C:\Users\Vlada\Desktop\доки\3Окно №3 Диспетчер.png"/>
+          <p:cNvPicPr>
+            <a:picLocks noChangeAspect="1" noChangeArrowheads="1"/>
+          </p:cNvPicPr>
+          <p:nvPr/>
+        </p:nvPicPr>
+        <p:blipFill>
+          <a:blip r:embed="rId3"/>
+          <a:srcRect/>
+          <a:stretch>
+            <a:fillRect/>
+          </a:stretch>
+        </p:blipFill>
+        <p:spPr bwMode="auto">
+          <a:xfrm>
+            <a:off x="142844" y="3929066"/>
+            <a:ext cx="4724400" cy="2771775"/>
+          </a:xfrm>
+          <a:prstGeom prst="rect">
+            <a:avLst/>
+          </a:prstGeom>
+          <a:ln>
+            <a:noFill/>
+          </a:ln>
+          <a:effectLst>
+            <a:outerShdw blurRad="190500" algn="tl" rotWithShape="0">
+              <a:srgbClr val="000000">
+                <a:alpha val="70000"/>
+              </a:srgbClr>
+            </a:outerShdw>
+          </a:effectLst>
+        </p:spPr>
+      </p:pic>
+      <p:sp>
+        <p:nvSpPr>
+          <p:cNvPr id="10" name="TextBox 9"/>
+          <p:cNvSpPr txBox="1"/>
+          <p:nvPr/>
+        </p:nvSpPr>
+        <p:spPr>
+          <a:xfrm>
+            <a:off x="571472" y="1571612"/>
+            <a:ext cx="3905236" cy="1938992"/>
+          </a:xfrm>
+          <a:prstGeom prst="rect">
+            <a:avLst/>
+          </a:prstGeom>
+          <a:noFill/>
+        </p:spPr>
+        <p:txBody>
+          <a:bodyPr wrap="none" rtlCol="0">
+            <a:spAutoFit/>
+          </a:bodyPr>
+          <a:lstStyle/>
+          <a:p>
+            <a:pPr>
+              <a:buClr>
+                <a:schemeClr val="accent1"/>
+              </a:buClr>
+              <a:buFont typeface="Courier New" pitchFamily="49" charset="0"/>
+              <a:buChar char="o"/>
+            </a:pPr>
+            <a:r>
+              <a:rPr lang="en-US" sz="2000" dirty="0" smtClean="0"/>
+              <a:t> </a:t>
+            </a:r>
+            <a:r>
+              <a:rPr lang="ru-RU" sz="2000" dirty="0" smtClean="0"/>
+              <a:t>Графическое представление</a:t>
+            </a:r>
+          </a:p>
+          <a:p>
+            <a:r>
+              <a:rPr lang="ru-RU" sz="2000" dirty="0" smtClean="0"/>
+              <a:t>статусов</a:t>
+            </a:r>
+            <a:r>
+              <a:rPr lang="en-US" sz="2000" dirty="0" smtClean="0"/>
+              <a:t>;</a:t>
+            </a:r>
+            <a:endParaRPr lang="ru-RU" sz="2000" dirty="0" smtClean="0"/>
+          </a:p>
+          <a:p>
+            <a:pPr>
+              <a:buClr>
+                <a:schemeClr val="accent1"/>
+              </a:buClr>
+              <a:buFont typeface="Courier New" pitchFamily="49" charset="0"/>
+              <a:buChar char="o"/>
+            </a:pPr>
+            <a:r>
+              <a:rPr lang="en-US" sz="2000" dirty="0" smtClean="0"/>
+              <a:t> </a:t>
+            </a:r>
+            <a:r>
+              <a:rPr lang="ru-RU" sz="2000" dirty="0" smtClean="0"/>
+              <a:t>Интуитивно понятный </a:t>
+            </a:r>
+          </a:p>
+          <a:p>
+            <a:r>
+              <a:rPr lang="ru-RU" sz="2000" dirty="0" smtClean="0"/>
+              <a:t>и</a:t>
+            </a:r>
+            <a:r>
+              <a:rPr lang="ru-RU" sz="2000" dirty="0" smtClean="0"/>
+              <a:t>нтерфейс</a:t>
+            </a:r>
+            <a:r>
+              <a:rPr lang="en-US" sz="2000" dirty="0" smtClean="0"/>
+              <a:t>;</a:t>
+            </a:r>
+            <a:endParaRPr lang="ru-RU" sz="2000" dirty="0" smtClean="0"/>
+          </a:p>
+          <a:p>
+            <a:pPr>
+              <a:buClr>
+                <a:schemeClr val="accent1"/>
+              </a:buClr>
+              <a:buFont typeface="Courier New" pitchFamily="49" charset="0"/>
+              <a:buChar char="o"/>
+            </a:pPr>
+            <a:r>
+              <a:rPr lang="en-US" sz="2000" dirty="0" smtClean="0"/>
+              <a:t> </a:t>
+            </a:r>
+            <a:r>
+              <a:rPr lang="ru-RU" sz="2000" dirty="0" smtClean="0"/>
+              <a:t>Оптимизация транзитных </a:t>
+            </a:r>
+          </a:p>
+          <a:p>
+            <a:pPr>
+              <a:buClr>
+                <a:schemeClr val="accent1"/>
+              </a:buClr>
+            </a:pPr>
+            <a:r>
+              <a:rPr lang="ru-RU" sz="2000" dirty="0" smtClean="0"/>
+              <a:t>грузов</a:t>
+            </a:r>
+            <a:r>
+              <a:rPr lang="en-US" sz="2000" dirty="0" smtClean="0"/>
+              <a:t>;</a:t>
+            </a:r>
+            <a:endParaRPr lang="ru-RU" sz="2000" dirty="0"/>
+          </a:p>
+        </p:txBody>
+      </p:sp>
+      <p:sp>
+        <p:nvSpPr>
+          <p:cNvPr id="12" name="TextBox 11"/>
+          <p:cNvSpPr txBox="1"/>
+          <p:nvPr/>
+        </p:nvSpPr>
+        <p:spPr>
+          <a:xfrm>
+            <a:off x="5214942" y="4714884"/>
+            <a:ext cx="3523722" cy="707886"/>
+          </a:xfrm>
+          <a:prstGeom prst="rect">
+            <a:avLst/>
+          </a:prstGeom>
+          <a:noFill/>
+        </p:spPr>
+        <p:txBody>
+          <a:bodyPr wrap="none" rtlCol="0">
+            <a:spAutoFit/>
+          </a:bodyPr>
+          <a:lstStyle/>
+          <a:p>
+            <a:pPr>
+              <a:buClr>
+                <a:schemeClr val="accent1"/>
+              </a:buClr>
+              <a:buFont typeface="Courier New" pitchFamily="49" charset="0"/>
+              <a:buChar char="o"/>
+            </a:pPr>
+            <a:r>
+              <a:rPr lang="en-US" sz="2000" dirty="0" smtClean="0"/>
+              <a:t> </a:t>
+            </a:r>
+            <a:r>
+              <a:rPr lang="ru-RU" sz="2000" dirty="0" smtClean="0"/>
+              <a:t>Уведомление об ошибках</a:t>
+            </a:r>
+            <a:endParaRPr lang="en-US" sz="2000" dirty="0" smtClean="0"/>
+          </a:p>
+          <a:p>
+            <a:pPr>
+              <a:buClr>
+                <a:schemeClr val="accent1"/>
+              </a:buClr>
+            </a:pPr>
+            <a:r>
+              <a:rPr lang="ru-RU" sz="2000" dirty="0" smtClean="0"/>
+              <a:t> в режиме </a:t>
+            </a:r>
+            <a:r>
+              <a:rPr lang="en-US" sz="2000" dirty="0" smtClean="0"/>
+              <a:t>Online</a:t>
+            </a:r>
+            <a:endParaRPr lang="ru-RU" sz="2000" dirty="0"/>
+          </a:p>
+        </p:txBody>
+      </p:sp>
     </p:spTree>
   </p:cSld>
   <p:clrMapOvr>
